--- a/draco/operator.pptx
+++ b/draco/operator.pptx
@@ -5,7 +5,7 @@
     <p:sldMasterId id="2147483708" r:id="rId1"/>
   </p:sldMasterIdLst>
   <p:notesMasterIdLst>
-    <p:notesMasterId r:id="rId20"/>
+    <p:notesMasterId r:id="rId19"/>
   </p:notesMasterIdLst>
   <p:sldIdLst>
     <p:sldId id="257" r:id="rId2"/>
@@ -24,8 +24,7 @@
     <p:sldId id="264" r:id="rId15"/>
     <p:sldId id="271" r:id="rId16"/>
     <p:sldId id="265" r:id="rId17"/>
-    <p:sldId id="273" r:id="rId18"/>
-    <p:sldId id="272" r:id="rId19"/>
+    <p:sldId id="272" r:id="rId18"/>
   </p:sldIdLst>
   <p:sldSz cx="5778500" cy="5778500"/>
   <p:notesSz cx="6858000" cy="9144000"/>
@@ -214,7 +213,7 @@
           <a:p>
             <a:fld id="{1282B8A7-4D2E-3847-B1F2-F4717AC7282A}" type="datetimeFigureOut">
               <a:rPr lang="en-CN" smtClean="0"/>
-              <a:t>2023/4/10</a:t>
+              <a:t>2023/4/19</a:t>
             </a:fld>
             <a:endParaRPr lang="en-CN"/>
           </a:p>
@@ -1326,99 +1325,6 @@
     </p:spTree>
     <p:extLst>
       <p:ext uri="{BB962C8B-B14F-4D97-AF65-F5344CB8AC3E}">
-        <p14:creationId xmlns:p14="http://schemas.microsoft.com/office/powerpoint/2010/main" val="3527392727"/>
-      </p:ext>
-    </p:extLst>
-  </p:cSld>
-  <p:clrMapOvr>
-    <a:masterClrMapping/>
-  </p:clrMapOvr>
-</p:notes>
-</file>
-
-<file path=ppt/notesSlides/notesSlide18.xml><?xml version="1.0" encoding="utf-8"?>
-<p:notes xmlns:a="http://schemas.openxmlformats.org/drawingml/2006/main" xmlns:r="http://schemas.openxmlformats.org/officeDocument/2006/relationships" xmlns:p="http://schemas.openxmlformats.org/presentationml/2006/main">
-  <p:cSld>
-    <p:spTree>
-      <p:nvGrpSpPr>
-        <p:cNvPr id="1" name=""/>
-        <p:cNvGrpSpPr/>
-        <p:nvPr/>
-      </p:nvGrpSpPr>
-      <p:grpSpPr>
-        <a:xfrm>
-          <a:off x="0" y="0"/>
-          <a:ext cx="0" cy="0"/>
-          <a:chOff x="0" y="0"/>
-          <a:chExt cx="0" cy="0"/>
-        </a:xfrm>
-      </p:grpSpPr>
-      <p:sp>
-        <p:nvSpPr>
-          <p:cNvPr id="2" name="Slide Image Placeholder 1"/>
-          <p:cNvSpPr>
-            <a:spLocks noGrp="1" noRot="1" noChangeAspect="1"/>
-          </p:cNvSpPr>
-          <p:nvPr>
-            <p:ph type="sldImg"/>
-          </p:nvPr>
-        </p:nvSpPr>
-        <p:spPr>
-          <a:xfrm>
-            <a:off x="1885950" y="1143000"/>
-            <a:ext cx="3086100" cy="3086100"/>
-          </a:xfrm>
-        </p:spPr>
-      </p:sp>
-      <p:sp>
-        <p:nvSpPr>
-          <p:cNvPr id="3" name="Notes Placeholder 2"/>
-          <p:cNvSpPr>
-            <a:spLocks noGrp="1"/>
-          </p:cNvSpPr>
-          <p:nvPr>
-            <p:ph type="body" idx="1"/>
-          </p:nvPr>
-        </p:nvSpPr>
-        <p:spPr/>
-        <p:txBody>
-          <a:bodyPr/>
-          <a:lstStyle/>
-          <a:p>
-            <a:r>
-              <a:rPr lang="en-US" dirty="0"/>
-              <a:t>Hole vertices: case 1</a:t>
-            </a:r>
-            <a:endParaRPr lang="en-CN" dirty="0"/>
-          </a:p>
-        </p:txBody>
-      </p:sp>
-      <p:sp>
-        <p:nvSpPr>
-          <p:cNvPr id="4" name="Slide Number Placeholder 3"/>
-          <p:cNvSpPr>
-            <a:spLocks noGrp="1"/>
-          </p:cNvSpPr>
-          <p:nvPr>
-            <p:ph type="sldNum" sz="quarter" idx="5"/>
-          </p:nvPr>
-        </p:nvSpPr>
-        <p:spPr/>
-        <p:txBody>
-          <a:bodyPr/>
-          <a:lstStyle/>
-          <a:p>
-            <a:fld id="{642A5D26-2DFB-F445-BCAB-5A4FBACE1B73}" type="slidenum">
-              <a:rPr lang="en-CN" smtClean="0"/>
-              <a:t>18</a:t>
-            </a:fld>
-            <a:endParaRPr lang="en-CN"/>
-          </a:p>
-        </p:txBody>
-      </p:sp>
-    </p:spTree>
-    <p:extLst>
-      <p:ext uri="{BB962C8B-B14F-4D97-AF65-F5344CB8AC3E}">
         <p14:creationId xmlns:p14="http://schemas.microsoft.com/office/powerpoint/2010/main" val="195416246"/>
       </p:ext>
     </p:extLst>
@@ -2312,7 +2218,7 @@
           <a:p>
             <a:fld id="{0FEA9FAF-B7F9-D948-8437-AF33A3D9E0B5}" type="datetimeFigureOut">
               <a:rPr lang="en-CN" smtClean="0"/>
-              <a:t>2023/4/10</a:t>
+              <a:t>2023/4/19</a:t>
             </a:fld>
             <a:endParaRPr lang="en-CN"/>
           </a:p>
@@ -2482,7 +2388,7 @@
           <a:p>
             <a:fld id="{0FEA9FAF-B7F9-D948-8437-AF33A3D9E0B5}" type="datetimeFigureOut">
               <a:rPr lang="en-CN" smtClean="0"/>
-              <a:t>2023/4/10</a:t>
+              <a:t>2023/4/19</a:t>
             </a:fld>
             <a:endParaRPr lang="en-CN"/>
           </a:p>
@@ -2662,7 +2568,7 @@
           <a:p>
             <a:fld id="{0FEA9FAF-B7F9-D948-8437-AF33A3D9E0B5}" type="datetimeFigureOut">
               <a:rPr lang="en-CN" smtClean="0"/>
-              <a:t>2023/4/10</a:t>
+              <a:t>2023/4/19</a:t>
             </a:fld>
             <a:endParaRPr lang="en-CN"/>
           </a:p>
@@ -2832,7 +2738,7 @@
           <a:p>
             <a:fld id="{0FEA9FAF-B7F9-D948-8437-AF33A3D9E0B5}" type="datetimeFigureOut">
               <a:rPr lang="en-CN" smtClean="0"/>
-              <a:t>2023/4/10</a:t>
+              <a:t>2023/4/19</a:t>
             </a:fld>
             <a:endParaRPr lang="en-CN"/>
           </a:p>
@@ -3076,7 +2982,7 @@
           <a:p>
             <a:fld id="{0FEA9FAF-B7F9-D948-8437-AF33A3D9E0B5}" type="datetimeFigureOut">
               <a:rPr lang="en-CN" smtClean="0"/>
-              <a:t>2023/4/10</a:t>
+              <a:t>2023/4/19</a:t>
             </a:fld>
             <a:endParaRPr lang="en-CN"/>
           </a:p>
@@ -3308,7 +3214,7 @@
           <a:p>
             <a:fld id="{0FEA9FAF-B7F9-D948-8437-AF33A3D9E0B5}" type="datetimeFigureOut">
               <a:rPr lang="en-CN" smtClean="0"/>
-              <a:t>2023/4/10</a:t>
+              <a:t>2023/4/19</a:t>
             </a:fld>
             <a:endParaRPr lang="en-CN"/>
           </a:p>
@@ -3675,7 +3581,7 @@
           <a:p>
             <a:fld id="{0FEA9FAF-B7F9-D948-8437-AF33A3D9E0B5}" type="datetimeFigureOut">
               <a:rPr lang="en-CN" smtClean="0"/>
-              <a:t>2023/4/10</a:t>
+              <a:t>2023/4/19</a:t>
             </a:fld>
             <a:endParaRPr lang="en-CN"/>
           </a:p>
@@ -3793,7 +3699,7 @@
           <a:p>
             <a:fld id="{0FEA9FAF-B7F9-D948-8437-AF33A3D9E0B5}" type="datetimeFigureOut">
               <a:rPr lang="en-CN" smtClean="0"/>
-              <a:t>2023/4/10</a:t>
+              <a:t>2023/4/19</a:t>
             </a:fld>
             <a:endParaRPr lang="en-CN"/>
           </a:p>
@@ -3888,7 +3794,7 @@
           <a:p>
             <a:fld id="{0FEA9FAF-B7F9-D948-8437-AF33A3D9E0B5}" type="datetimeFigureOut">
               <a:rPr lang="en-CN" smtClean="0"/>
-              <a:t>2023/4/10</a:t>
+              <a:t>2023/4/19</a:t>
             </a:fld>
             <a:endParaRPr lang="en-CN"/>
           </a:p>
@@ -4165,7 +4071,7 @@
           <a:p>
             <a:fld id="{0FEA9FAF-B7F9-D948-8437-AF33A3D9E0B5}" type="datetimeFigureOut">
               <a:rPr lang="en-CN" smtClean="0"/>
-              <a:t>2023/4/10</a:t>
+              <a:t>2023/4/19</a:t>
             </a:fld>
             <a:endParaRPr lang="en-CN"/>
           </a:p>
@@ -4422,7 +4328,7 @@
           <a:p>
             <a:fld id="{0FEA9FAF-B7F9-D948-8437-AF33A3D9E0B5}" type="datetimeFigureOut">
               <a:rPr lang="en-CN" smtClean="0"/>
-              <a:t>2023/4/10</a:t>
+              <a:t>2023/4/19</a:t>
             </a:fld>
             <a:endParaRPr lang="en-CN"/>
           </a:p>
@@ -4635,7 +4541,7 @@
           <a:p>
             <a:fld id="{0FEA9FAF-B7F9-D948-8437-AF33A3D9E0B5}" type="datetimeFigureOut">
               <a:rPr lang="en-CN" smtClean="0"/>
-              <a:t>2023/4/10</a:t>
+              <a:t>2023/4/19</a:t>
             </a:fld>
             <a:endParaRPr lang="en-CN"/>
           </a:p>
@@ -17181,2643 +17087,6 @@
 </file>
 
 <file path=ppt/slides/slide17.xml><?xml version="1.0" encoding="utf-8"?>
-<p:sld xmlns:a="http://schemas.openxmlformats.org/drawingml/2006/main" xmlns:r="http://schemas.openxmlformats.org/officeDocument/2006/relationships" xmlns:p="http://schemas.openxmlformats.org/presentationml/2006/main">
-  <p:cSld>
-    <p:spTree>
-      <p:nvGrpSpPr>
-        <p:cNvPr id="1" name=""/>
-        <p:cNvGrpSpPr/>
-        <p:nvPr/>
-      </p:nvGrpSpPr>
-      <p:grpSpPr>
-        <a:xfrm>
-          <a:off x="0" y="0"/>
-          <a:ext cx="0" cy="0"/>
-          <a:chOff x="0" y="0"/>
-          <a:chExt cx="0" cy="0"/>
-        </a:xfrm>
-      </p:grpSpPr>
-      <p:sp>
-        <p:nvSpPr>
-          <p:cNvPr id="2" name="Rectangle 1">
-            <a:extLst>
-              <a:ext uri="{FF2B5EF4-FFF2-40B4-BE49-F238E27FC236}">
-                <a16:creationId xmlns:a16="http://schemas.microsoft.com/office/drawing/2014/main" id="{AD90FA9B-2510-4244-A5F2-3C836ECF90DB}"/>
-              </a:ext>
-            </a:extLst>
-          </p:cNvPr>
-          <p:cNvSpPr/>
-          <p:nvPr/>
-        </p:nvSpPr>
-        <p:spPr>
-          <a:xfrm>
-            <a:off x="395927" y="584462"/>
-            <a:ext cx="1046374" cy="546754"/>
-          </a:xfrm>
-          <a:prstGeom prst="rect">
-            <a:avLst/>
-          </a:prstGeom>
-          <a:solidFill>
-            <a:schemeClr val="bg1"/>
-          </a:solidFill>
-          <a:ln>
-            <a:solidFill>
-              <a:schemeClr val="tx1"/>
-            </a:solidFill>
-          </a:ln>
-        </p:spPr>
-        <p:style>
-          <a:lnRef idx="2">
-            <a:schemeClr val="accent1">
-              <a:shade val="50000"/>
-            </a:schemeClr>
-          </a:lnRef>
-          <a:fillRef idx="1">
-            <a:schemeClr val="accent1"/>
-          </a:fillRef>
-          <a:effectRef idx="0">
-            <a:schemeClr val="accent1"/>
-          </a:effectRef>
-          <a:fontRef idx="minor">
-            <a:schemeClr val="lt1"/>
-          </a:fontRef>
-        </p:style>
-        <p:txBody>
-          <a:bodyPr rtlCol="0" anchor="ctr"/>
-          <a:lstStyle/>
-          <a:p>
-            <a:pPr algn="ctr"/>
-            <a:r>
-              <a:rPr lang="en-CN" sz="1600" dirty="0">
-                <a:solidFill>
-                  <a:schemeClr val="tx1"/>
-                </a:solidFill>
-              </a:rPr>
-              <a:t>Header</a:t>
-            </a:r>
-          </a:p>
-        </p:txBody>
-      </p:sp>
-      <p:sp>
-        <p:nvSpPr>
-          <p:cNvPr id="61" name="Rectangle 60">
-            <a:extLst>
-              <a:ext uri="{FF2B5EF4-FFF2-40B4-BE49-F238E27FC236}">
-                <a16:creationId xmlns:a16="http://schemas.microsoft.com/office/drawing/2014/main" id="{A3AC8958-60B0-6344-8972-097BE2DB0BF0}"/>
-              </a:ext>
-            </a:extLst>
-          </p:cNvPr>
-          <p:cNvSpPr/>
-          <p:nvPr/>
-        </p:nvSpPr>
-        <p:spPr>
-          <a:xfrm>
-            <a:off x="1451728" y="584462"/>
-            <a:ext cx="1046374" cy="546754"/>
-          </a:xfrm>
-          <a:prstGeom prst="rect">
-            <a:avLst/>
-          </a:prstGeom>
-          <a:solidFill>
-            <a:schemeClr val="bg1"/>
-          </a:solidFill>
-          <a:ln>
-            <a:solidFill>
-              <a:schemeClr val="tx1"/>
-            </a:solidFill>
-          </a:ln>
-        </p:spPr>
-        <p:style>
-          <a:lnRef idx="2">
-            <a:schemeClr val="accent1">
-              <a:shade val="50000"/>
-            </a:schemeClr>
-          </a:lnRef>
-          <a:fillRef idx="1">
-            <a:schemeClr val="accent1"/>
-          </a:fillRef>
-          <a:effectRef idx="0">
-            <a:schemeClr val="accent1"/>
-          </a:effectRef>
-          <a:fontRef idx="minor">
-            <a:schemeClr val="lt1"/>
-          </a:fontRef>
-        </p:style>
-        <p:txBody>
-          <a:bodyPr rtlCol="0" anchor="ctr"/>
-          <a:lstStyle/>
-          <a:p>
-            <a:pPr algn="ctr"/>
-            <a:r>
-              <a:rPr lang="en-CN" sz="1600" dirty="0">
-                <a:solidFill>
-                  <a:schemeClr val="tx1"/>
-                </a:solidFill>
-              </a:rPr>
-              <a:t>MetaData</a:t>
-            </a:r>
-          </a:p>
-        </p:txBody>
-      </p:sp>
-      <p:sp>
-        <p:nvSpPr>
-          <p:cNvPr id="63" name="Rectangle 62">
-            <a:extLst>
-              <a:ext uri="{FF2B5EF4-FFF2-40B4-BE49-F238E27FC236}">
-                <a16:creationId xmlns:a16="http://schemas.microsoft.com/office/drawing/2014/main" id="{2A1C7FA1-17E2-064B-8FD1-0CA2661A5CDF}"/>
-              </a:ext>
-            </a:extLst>
-          </p:cNvPr>
-          <p:cNvSpPr/>
-          <p:nvPr/>
-        </p:nvSpPr>
-        <p:spPr>
-          <a:xfrm>
-            <a:off x="2507529" y="584462"/>
-            <a:ext cx="1348034" cy="546754"/>
-          </a:xfrm>
-          <a:prstGeom prst="rect">
-            <a:avLst/>
-          </a:prstGeom>
-          <a:solidFill>
-            <a:schemeClr val="bg1"/>
-          </a:solidFill>
-          <a:ln>
-            <a:solidFill>
-              <a:schemeClr val="tx1"/>
-            </a:solidFill>
-          </a:ln>
-        </p:spPr>
-        <p:style>
-          <a:lnRef idx="2">
-            <a:schemeClr val="accent1">
-              <a:shade val="50000"/>
-            </a:schemeClr>
-          </a:lnRef>
-          <a:fillRef idx="1">
-            <a:schemeClr val="accent1"/>
-          </a:fillRef>
-          <a:effectRef idx="0">
-            <a:schemeClr val="accent1"/>
-          </a:effectRef>
-          <a:fontRef idx="minor">
-            <a:schemeClr val="lt1"/>
-          </a:fontRef>
-        </p:style>
-        <p:txBody>
-          <a:bodyPr rtlCol="0" anchor="ctr"/>
-          <a:lstStyle/>
-          <a:p>
-            <a:pPr algn="ctr"/>
-            <a:r>
-              <a:rPr lang="en-CN" sz="1600" dirty="0">
-                <a:solidFill>
-                  <a:schemeClr val="tx1"/>
-                </a:solidFill>
-              </a:rPr>
-              <a:t>Connectivity</a:t>
-            </a:r>
-          </a:p>
-        </p:txBody>
-      </p:sp>
-      <p:sp>
-        <p:nvSpPr>
-          <p:cNvPr id="66" name="Rectangle 65">
-            <a:extLst>
-              <a:ext uri="{FF2B5EF4-FFF2-40B4-BE49-F238E27FC236}">
-                <a16:creationId xmlns:a16="http://schemas.microsoft.com/office/drawing/2014/main" id="{F0EF9C41-5534-524A-9C37-FA08FBCDD5AD}"/>
-              </a:ext>
-            </a:extLst>
-          </p:cNvPr>
-          <p:cNvSpPr/>
-          <p:nvPr/>
-        </p:nvSpPr>
-        <p:spPr>
-          <a:xfrm>
-            <a:off x="3855563" y="584462"/>
-            <a:ext cx="1348034" cy="546754"/>
-          </a:xfrm>
-          <a:prstGeom prst="rect">
-            <a:avLst/>
-          </a:prstGeom>
-          <a:solidFill>
-            <a:schemeClr val="bg1"/>
-          </a:solidFill>
-          <a:ln>
-            <a:solidFill>
-              <a:schemeClr val="tx1"/>
-            </a:solidFill>
-          </a:ln>
-        </p:spPr>
-        <p:style>
-          <a:lnRef idx="2">
-            <a:schemeClr val="accent1">
-              <a:shade val="50000"/>
-            </a:schemeClr>
-          </a:lnRef>
-          <a:fillRef idx="1">
-            <a:schemeClr val="accent1"/>
-          </a:fillRef>
-          <a:effectRef idx="0">
-            <a:schemeClr val="accent1"/>
-          </a:effectRef>
-          <a:fontRef idx="minor">
-            <a:schemeClr val="lt1"/>
-          </a:fontRef>
-        </p:style>
-        <p:txBody>
-          <a:bodyPr rtlCol="0" anchor="ctr"/>
-          <a:lstStyle/>
-          <a:p>
-            <a:pPr algn="ctr"/>
-            <a:r>
-              <a:rPr lang="en-CN" sz="1600" dirty="0">
-                <a:solidFill>
-                  <a:schemeClr val="tx1"/>
-                </a:solidFill>
-              </a:rPr>
-              <a:t>Attribute</a:t>
-            </a:r>
-          </a:p>
-        </p:txBody>
-      </p:sp>
-      <p:sp>
-        <p:nvSpPr>
-          <p:cNvPr id="75" name="Rectangle 74">
-            <a:extLst>
-              <a:ext uri="{FF2B5EF4-FFF2-40B4-BE49-F238E27FC236}">
-                <a16:creationId xmlns:a16="http://schemas.microsoft.com/office/drawing/2014/main" id="{3BFBBE38-A717-C444-BC9B-0D37A9BF8821}"/>
-              </a:ext>
-            </a:extLst>
-          </p:cNvPr>
-          <p:cNvSpPr/>
-          <p:nvPr/>
-        </p:nvSpPr>
-        <p:spPr>
-          <a:xfrm>
-            <a:off x="94267" y="1702915"/>
-            <a:ext cx="1348034" cy="546754"/>
-          </a:xfrm>
-          <a:prstGeom prst="rect">
-            <a:avLst/>
-          </a:prstGeom>
-          <a:solidFill>
-            <a:schemeClr val="bg1"/>
-          </a:solidFill>
-          <a:ln>
-            <a:solidFill>
-              <a:schemeClr val="tx1"/>
-            </a:solidFill>
-          </a:ln>
-        </p:spPr>
-        <p:style>
-          <a:lnRef idx="2">
-            <a:schemeClr val="accent1">
-              <a:shade val="50000"/>
-            </a:schemeClr>
-          </a:lnRef>
-          <a:fillRef idx="1">
-            <a:schemeClr val="accent1"/>
-          </a:fillRef>
-          <a:effectRef idx="0">
-            <a:schemeClr val="accent1"/>
-          </a:effectRef>
-          <a:fontRef idx="minor">
-            <a:schemeClr val="lt1"/>
-          </a:fontRef>
-        </p:style>
-        <p:txBody>
-          <a:bodyPr rtlCol="0" anchor="ctr"/>
-          <a:lstStyle/>
-          <a:p>
-            <a:pPr algn="ctr"/>
-            <a:r>
-              <a:rPr lang="en-CN" sz="1600" dirty="0">
-                <a:solidFill>
-                  <a:schemeClr val="tx1"/>
-                </a:solidFill>
-              </a:rPr>
-              <a:t>Attribute Header</a:t>
-            </a:r>
-          </a:p>
-        </p:txBody>
-      </p:sp>
-      <p:sp>
-        <p:nvSpPr>
-          <p:cNvPr id="107" name="Rectangle 106">
-            <a:extLst>
-              <a:ext uri="{FF2B5EF4-FFF2-40B4-BE49-F238E27FC236}">
-                <a16:creationId xmlns:a16="http://schemas.microsoft.com/office/drawing/2014/main" id="{7D028382-DD21-3D48-93E2-C65217FAA537}"/>
-              </a:ext>
-            </a:extLst>
-          </p:cNvPr>
-          <p:cNvSpPr/>
-          <p:nvPr/>
-        </p:nvSpPr>
-        <p:spPr>
-          <a:xfrm>
-            <a:off x="4394402" y="23436"/>
-            <a:ext cx="857250" cy="194822"/>
-          </a:xfrm>
-          <a:prstGeom prst="rect">
-            <a:avLst/>
-          </a:prstGeom>
-          <a:ln>
-            <a:solidFill>
-              <a:schemeClr val="tx1"/>
-            </a:solidFill>
-          </a:ln>
-        </p:spPr>
-        <p:style>
-          <a:lnRef idx="2">
-            <a:schemeClr val="accent1">
-              <a:shade val="50000"/>
-            </a:schemeClr>
-          </a:lnRef>
-          <a:fillRef idx="1">
-            <a:schemeClr val="accent1"/>
-          </a:fillRef>
-          <a:effectRef idx="0">
-            <a:schemeClr val="accent1"/>
-          </a:effectRef>
-          <a:fontRef idx="minor">
-            <a:schemeClr val="lt1"/>
-          </a:fontRef>
-        </p:style>
-        <p:txBody>
-          <a:bodyPr rtlCol="0" anchor="ctr"/>
-          <a:lstStyle/>
-          <a:p>
-            <a:pPr algn="ctr"/>
-            <a:r>
-              <a:rPr lang="en-CN" sz="1200" dirty="0">
-                <a:solidFill>
-                  <a:schemeClr val="tx1"/>
-                </a:solidFill>
-              </a:rPr>
-              <a:t>unknown</a:t>
-            </a:r>
-          </a:p>
-        </p:txBody>
-      </p:sp>
-      <p:sp>
-        <p:nvSpPr>
-          <p:cNvPr id="108" name="Rectangle 107">
-            <a:extLst>
-              <a:ext uri="{FF2B5EF4-FFF2-40B4-BE49-F238E27FC236}">
-                <a16:creationId xmlns:a16="http://schemas.microsoft.com/office/drawing/2014/main" id="{078F40A1-06D9-6344-A5B6-B44D3A4F2845}"/>
-              </a:ext>
-            </a:extLst>
-          </p:cNvPr>
-          <p:cNvSpPr/>
-          <p:nvPr/>
-        </p:nvSpPr>
-        <p:spPr>
-          <a:xfrm>
-            <a:off x="3134113" y="10211"/>
-            <a:ext cx="857250" cy="194822"/>
-          </a:xfrm>
-          <a:prstGeom prst="rect">
-            <a:avLst/>
-          </a:prstGeom>
-          <a:solidFill>
-            <a:schemeClr val="accent2">
-              <a:lumMod val="75000"/>
-            </a:schemeClr>
-          </a:solidFill>
-          <a:ln>
-            <a:solidFill>
-              <a:schemeClr val="tx1"/>
-            </a:solidFill>
-          </a:ln>
-        </p:spPr>
-        <p:style>
-          <a:lnRef idx="2">
-            <a:schemeClr val="accent1">
-              <a:shade val="50000"/>
-            </a:schemeClr>
-          </a:lnRef>
-          <a:fillRef idx="1">
-            <a:schemeClr val="accent1"/>
-          </a:fillRef>
-          <a:effectRef idx="0">
-            <a:schemeClr val="accent1"/>
-          </a:effectRef>
-          <a:fontRef idx="minor">
-            <a:schemeClr val="lt1"/>
-          </a:fontRef>
-        </p:style>
-        <p:txBody>
-          <a:bodyPr rtlCol="0" anchor="ctr"/>
-          <a:lstStyle/>
-          <a:p>
-            <a:pPr algn="ctr"/>
-            <a:r>
-              <a:rPr lang="en-CN" sz="1200" dirty="0">
-                <a:solidFill>
-                  <a:schemeClr val="tx1"/>
-                </a:solidFill>
-              </a:rPr>
-              <a:t>rANS</a:t>
-            </a:r>
-          </a:p>
-        </p:txBody>
-      </p:sp>
-      <p:sp>
-        <p:nvSpPr>
-          <p:cNvPr id="109" name="Rectangle 108">
-            <a:extLst>
-              <a:ext uri="{FF2B5EF4-FFF2-40B4-BE49-F238E27FC236}">
-                <a16:creationId xmlns:a16="http://schemas.microsoft.com/office/drawing/2014/main" id="{86C24577-E59E-844E-A479-5AEEB36418A8}"/>
-              </a:ext>
-            </a:extLst>
-          </p:cNvPr>
-          <p:cNvSpPr/>
-          <p:nvPr/>
-        </p:nvSpPr>
-        <p:spPr>
-          <a:xfrm>
-            <a:off x="1873824" y="10211"/>
-            <a:ext cx="857250" cy="194822"/>
-          </a:xfrm>
-          <a:prstGeom prst="rect">
-            <a:avLst/>
-          </a:prstGeom>
-          <a:solidFill>
-            <a:schemeClr val="accent4">
-              <a:lumMod val="40000"/>
-              <a:lumOff val="60000"/>
-            </a:schemeClr>
-          </a:solidFill>
-          <a:ln>
-            <a:solidFill>
-              <a:schemeClr val="tx1"/>
-            </a:solidFill>
-          </a:ln>
-        </p:spPr>
-        <p:style>
-          <a:lnRef idx="2">
-            <a:schemeClr val="accent1">
-              <a:shade val="50000"/>
-            </a:schemeClr>
-          </a:lnRef>
-          <a:fillRef idx="1">
-            <a:schemeClr val="accent1"/>
-          </a:fillRef>
-          <a:effectRef idx="0">
-            <a:schemeClr val="accent1"/>
-          </a:effectRef>
-          <a:fontRef idx="minor">
-            <a:schemeClr val="lt1"/>
-          </a:fontRef>
-        </p:style>
-        <p:txBody>
-          <a:bodyPr rtlCol="0" anchor="ctr"/>
-          <a:lstStyle/>
-          <a:p>
-            <a:pPr algn="ctr"/>
-            <a:r>
-              <a:rPr lang="en-CN" sz="1200" dirty="0">
-                <a:solidFill>
-                  <a:schemeClr val="tx1"/>
-                </a:solidFill>
-              </a:rPr>
-              <a:t>Variant</a:t>
-            </a:r>
-          </a:p>
-        </p:txBody>
-      </p:sp>
-      <p:sp>
-        <p:nvSpPr>
-          <p:cNvPr id="110" name="Rectangle 109">
-            <a:extLst>
-              <a:ext uri="{FF2B5EF4-FFF2-40B4-BE49-F238E27FC236}">
-                <a16:creationId xmlns:a16="http://schemas.microsoft.com/office/drawing/2014/main" id="{612F22E1-BFB9-D14A-945D-652B7DDE88DA}"/>
-              </a:ext>
-            </a:extLst>
-          </p:cNvPr>
-          <p:cNvSpPr/>
-          <p:nvPr/>
-        </p:nvSpPr>
-        <p:spPr>
-          <a:xfrm>
-            <a:off x="627176" y="23436"/>
-            <a:ext cx="857250" cy="194822"/>
-          </a:xfrm>
-          <a:prstGeom prst="rect">
-            <a:avLst/>
-          </a:prstGeom>
-          <a:solidFill>
-            <a:srgbClr val="CFE2F4"/>
-          </a:solidFill>
-          <a:ln>
-            <a:solidFill>
-              <a:schemeClr val="tx1"/>
-            </a:solidFill>
-          </a:ln>
-        </p:spPr>
-        <p:style>
-          <a:lnRef idx="2">
-            <a:schemeClr val="accent1">
-              <a:shade val="50000"/>
-            </a:schemeClr>
-          </a:lnRef>
-          <a:fillRef idx="1">
-            <a:schemeClr val="accent1"/>
-          </a:fillRef>
-          <a:effectRef idx="0">
-            <a:schemeClr val="accent1"/>
-          </a:effectRef>
-          <a:fontRef idx="minor">
-            <a:schemeClr val="lt1"/>
-          </a:fontRef>
-        </p:style>
-        <p:txBody>
-          <a:bodyPr rtlCol="0" anchor="ctr"/>
-          <a:lstStyle/>
-          <a:p>
-            <a:pPr algn="ctr"/>
-            <a:r>
-              <a:rPr lang="en-CN" sz="1200" dirty="0">
-                <a:solidFill>
-                  <a:schemeClr val="tx1"/>
-                </a:solidFill>
-              </a:rPr>
-              <a:t>Direct</a:t>
-            </a:r>
-          </a:p>
-        </p:txBody>
-      </p:sp>
-      <p:sp>
-        <p:nvSpPr>
-          <p:cNvPr id="34" name="Rectangle 33">
-            <a:extLst>
-              <a:ext uri="{FF2B5EF4-FFF2-40B4-BE49-F238E27FC236}">
-                <a16:creationId xmlns:a16="http://schemas.microsoft.com/office/drawing/2014/main" id="{535D5519-8D65-A74E-83D5-B26A76A21B5C}"/>
-              </a:ext>
-            </a:extLst>
-          </p:cNvPr>
-          <p:cNvSpPr/>
-          <p:nvPr/>
-        </p:nvSpPr>
-        <p:spPr>
-          <a:xfrm>
-            <a:off x="-428920" y="2615873"/>
-            <a:ext cx="1348034" cy="546754"/>
-          </a:xfrm>
-          <a:prstGeom prst="rect">
-            <a:avLst/>
-          </a:prstGeom>
-          <a:solidFill>
-            <a:srgbClr val="CFE2F4"/>
-          </a:solidFill>
-          <a:ln>
-            <a:solidFill>
-              <a:schemeClr val="tx1"/>
-            </a:solidFill>
-          </a:ln>
-        </p:spPr>
-        <p:style>
-          <a:lnRef idx="2">
-            <a:schemeClr val="accent1">
-              <a:shade val="50000"/>
-            </a:schemeClr>
-          </a:lnRef>
-          <a:fillRef idx="1">
-            <a:schemeClr val="accent1"/>
-          </a:fillRef>
-          <a:effectRef idx="0">
-            <a:schemeClr val="accent1"/>
-          </a:effectRef>
-          <a:fontRef idx="minor">
-            <a:schemeClr val="lt1"/>
-          </a:fontRef>
-        </p:style>
-        <p:txBody>
-          <a:bodyPr rtlCol="0" anchor="ctr"/>
-          <a:lstStyle/>
-          <a:p>
-            <a:pPr algn="ctr"/>
-            <a:r>
-              <a:rPr lang="en-CN" sz="1600" dirty="0">
-                <a:solidFill>
-                  <a:schemeClr val="tx1"/>
-                </a:solidFill>
-              </a:rPr>
-              <a:t>#AttributeDecoders</a:t>
-            </a:r>
-          </a:p>
-        </p:txBody>
-      </p:sp>
-      <p:sp>
-        <p:nvSpPr>
-          <p:cNvPr id="35" name="Rectangle 34">
-            <a:extLst>
-              <a:ext uri="{FF2B5EF4-FFF2-40B4-BE49-F238E27FC236}">
-                <a16:creationId xmlns:a16="http://schemas.microsoft.com/office/drawing/2014/main" id="{F7D276D2-FFFF-3746-9E29-45D36F6968B2}"/>
-              </a:ext>
-            </a:extLst>
-          </p:cNvPr>
-          <p:cNvSpPr/>
-          <p:nvPr/>
-        </p:nvSpPr>
-        <p:spPr>
-          <a:xfrm>
-            <a:off x="919114" y="2615873"/>
-            <a:ext cx="1348034" cy="546754"/>
-          </a:xfrm>
-          <a:prstGeom prst="rect">
-            <a:avLst/>
-          </a:prstGeom>
-          <a:solidFill>
-            <a:srgbClr val="CFE2F4"/>
-          </a:solidFill>
-          <a:ln>
-            <a:solidFill>
-              <a:schemeClr val="tx1"/>
-            </a:solidFill>
-          </a:ln>
-        </p:spPr>
-        <p:style>
-          <a:lnRef idx="2">
-            <a:schemeClr val="accent1">
-              <a:shade val="50000"/>
-            </a:schemeClr>
-          </a:lnRef>
-          <a:fillRef idx="1">
-            <a:schemeClr val="accent1"/>
-          </a:fillRef>
-          <a:effectRef idx="0">
-            <a:schemeClr val="accent1"/>
-          </a:effectRef>
-          <a:fontRef idx="minor">
-            <a:schemeClr val="lt1"/>
-          </a:fontRef>
-        </p:style>
-        <p:txBody>
-          <a:bodyPr rtlCol="0" anchor="ctr"/>
-          <a:lstStyle/>
-          <a:p>
-            <a:pPr algn="ctr"/>
-            <a:r>
-              <a:rPr lang="en-CN" sz="1600" dirty="0">
-                <a:solidFill>
-                  <a:schemeClr val="tx1"/>
-                </a:solidFill>
-              </a:rPr>
-              <a:t>AttributeDataId</a:t>
-            </a:r>
-          </a:p>
-        </p:txBody>
-      </p:sp>
-      <p:sp>
-        <p:nvSpPr>
-          <p:cNvPr id="36" name="Rectangle 35">
-            <a:extLst>
-              <a:ext uri="{FF2B5EF4-FFF2-40B4-BE49-F238E27FC236}">
-                <a16:creationId xmlns:a16="http://schemas.microsoft.com/office/drawing/2014/main" id="{27AFDB38-F599-A24A-8F21-8CC4261FE79B}"/>
-              </a:ext>
-            </a:extLst>
-          </p:cNvPr>
-          <p:cNvSpPr/>
-          <p:nvPr/>
-        </p:nvSpPr>
-        <p:spPr>
-          <a:xfrm>
-            <a:off x="2267148" y="2615873"/>
-            <a:ext cx="1348034" cy="546754"/>
-          </a:xfrm>
-          <a:prstGeom prst="rect">
-            <a:avLst/>
-          </a:prstGeom>
-          <a:solidFill>
-            <a:srgbClr val="CFE2F4"/>
-          </a:solidFill>
-          <a:ln>
-            <a:solidFill>
-              <a:schemeClr val="tx1"/>
-            </a:solidFill>
-          </a:ln>
-        </p:spPr>
-        <p:style>
-          <a:lnRef idx="2">
-            <a:schemeClr val="accent1">
-              <a:shade val="50000"/>
-            </a:schemeClr>
-          </a:lnRef>
-          <a:fillRef idx="1">
-            <a:schemeClr val="accent1"/>
-          </a:fillRef>
-          <a:effectRef idx="0">
-            <a:schemeClr val="accent1"/>
-          </a:effectRef>
-          <a:fontRef idx="minor">
-            <a:schemeClr val="lt1"/>
-          </a:fontRef>
-        </p:style>
-        <p:txBody>
-          <a:bodyPr rtlCol="0" anchor="ctr"/>
-          <a:lstStyle/>
-          <a:p>
-            <a:pPr algn="ctr"/>
-            <a:r>
-              <a:rPr lang="en-CN" sz="1600" dirty="0">
-                <a:solidFill>
-                  <a:schemeClr val="tx1"/>
-                </a:solidFill>
-              </a:rPr>
-              <a:t>DecoderType</a:t>
-            </a:r>
-          </a:p>
-        </p:txBody>
-      </p:sp>
-      <p:sp>
-        <p:nvSpPr>
-          <p:cNvPr id="37" name="Rectangle 36">
-            <a:extLst>
-              <a:ext uri="{FF2B5EF4-FFF2-40B4-BE49-F238E27FC236}">
-                <a16:creationId xmlns:a16="http://schemas.microsoft.com/office/drawing/2014/main" id="{20396223-A6AB-2748-A029-D4A59E3B60D8}"/>
-              </a:ext>
-            </a:extLst>
-          </p:cNvPr>
-          <p:cNvSpPr/>
-          <p:nvPr/>
-        </p:nvSpPr>
-        <p:spPr>
-          <a:xfrm>
-            <a:off x="3615182" y="2615873"/>
-            <a:ext cx="1348034" cy="546754"/>
-          </a:xfrm>
-          <a:prstGeom prst="rect">
-            <a:avLst/>
-          </a:prstGeom>
-          <a:solidFill>
-            <a:srgbClr val="CFE2F4"/>
-          </a:solidFill>
-          <a:ln>
-            <a:solidFill>
-              <a:schemeClr val="tx1"/>
-            </a:solidFill>
-          </a:ln>
-        </p:spPr>
-        <p:style>
-          <a:lnRef idx="2">
-            <a:schemeClr val="accent1">
-              <a:shade val="50000"/>
-            </a:schemeClr>
-          </a:lnRef>
-          <a:fillRef idx="1">
-            <a:schemeClr val="accent1"/>
-          </a:fillRef>
-          <a:effectRef idx="0">
-            <a:schemeClr val="accent1"/>
-          </a:effectRef>
-          <a:fontRef idx="minor">
-            <a:schemeClr val="lt1"/>
-          </a:fontRef>
-        </p:style>
-        <p:txBody>
-          <a:bodyPr rtlCol="0" anchor="ctr"/>
-          <a:lstStyle/>
-          <a:p>
-            <a:pPr algn="ctr"/>
-            <a:r>
-              <a:rPr lang="en-US" sz="1600" dirty="0" err="1">
-                <a:solidFill>
-                  <a:schemeClr val="tx1"/>
-                </a:solidFill>
-              </a:rPr>
-              <a:t>TraversalMethodEncoded</a:t>
-            </a:r>
-            <a:endParaRPr lang="en-CN" sz="1600" dirty="0">
-              <a:solidFill>
-                <a:schemeClr val="tx1"/>
-              </a:solidFill>
-            </a:endParaRPr>
-          </a:p>
-        </p:txBody>
-      </p:sp>
-      <p:sp>
-        <p:nvSpPr>
-          <p:cNvPr id="38" name="Rectangle 37">
-            <a:extLst>
-              <a:ext uri="{FF2B5EF4-FFF2-40B4-BE49-F238E27FC236}">
-                <a16:creationId xmlns:a16="http://schemas.microsoft.com/office/drawing/2014/main" id="{97691E47-B155-0E40-B8B7-E0C3F2F19A20}"/>
-              </a:ext>
-            </a:extLst>
-          </p:cNvPr>
-          <p:cNvSpPr/>
-          <p:nvPr/>
-        </p:nvSpPr>
-        <p:spPr>
-          <a:xfrm>
-            <a:off x="4963216" y="2615873"/>
-            <a:ext cx="1348034" cy="546754"/>
-          </a:xfrm>
-          <a:prstGeom prst="rect">
-            <a:avLst/>
-          </a:prstGeom>
-          <a:solidFill>
-            <a:srgbClr val="CFE2F4"/>
-          </a:solidFill>
-          <a:ln>
-            <a:solidFill>
-              <a:schemeClr val="tx1"/>
-            </a:solidFill>
-          </a:ln>
-        </p:spPr>
-        <p:style>
-          <a:lnRef idx="2">
-            <a:schemeClr val="accent1">
-              <a:shade val="50000"/>
-            </a:schemeClr>
-          </a:lnRef>
-          <a:fillRef idx="1">
-            <a:schemeClr val="accent1"/>
-          </a:fillRef>
-          <a:effectRef idx="0">
-            <a:schemeClr val="accent1"/>
-          </a:effectRef>
-          <a:fontRef idx="minor">
-            <a:schemeClr val="lt1"/>
-          </a:fontRef>
-        </p:style>
-        <p:txBody>
-          <a:bodyPr rtlCol="0" anchor="ctr"/>
-          <a:lstStyle/>
-          <a:p>
-            <a:pPr algn="ctr"/>
-            <a:r>
-              <a:rPr lang="en-US" sz="1600" dirty="0">
-                <a:solidFill>
-                  <a:schemeClr val="tx1"/>
-                </a:solidFill>
-              </a:rPr>
-              <a:t>#Attributes</a:t>
-            </a:r>
-            <a:endParaRPr lang="en-CN" sz="1600" dirty="0">
-              <a:solidFill>
-                <a:schemeClr val="tx1"/>
-              </a:solidFill>
-            </a:endParaRPr>
-          </a:p>
-        </p:txBody>
-      </p:sp>
-      <p:sp>
-        <p:nvSpPr>
-          <p:cNvPr id="39" name="Rectangle 38">
-            <a:extLst>
-              <a:ext uri="{FF2B5EF4-FFF2-40B4-BE49-F238E27FC236}">
-                <a16:creationId xmlns:a16="http://schemas.microsoft.com/office/drawing/2014/main" id="{FAA86810-A792-9F43-8A86-537EBEA184C5}"/>
-              </a:ext>
-            </a:extLst>
-          </p:cNvPr>
-          <p:cNvSpPr/>
-          <p:nvPr/>
-        </p:nvSpPr>
-        <p:spPr>
-          <a:xfrm>
-            <a:off x="-188539" y="3682482"/>
-            <a:ext cx="1348034" cy="546754"/>
-          </a:xfrm>
-          <a:prstGeom prst="rect">
-            <a:avLst/>
-          </a:prstGeom>
-          <a:solidFill>
-            <a:srgbClr val="CFE2F4"/>
-          </a:solidFill>
-          <a:ln>
-            <a:solidFill>
-              <a:schemeClr val="tx1"/>
-            </a:solidFill>
-          </a:ln>
-        </p:spPr>
-        <p:style>
-          <a:lnRef idx="2">
-            <a:schemeClr val="accent1">
-              <a:shade val="50000"/>
-            </a:schemeClr>
-          </a:lnRef>
-          <a:fillRef idx="1">
-            <a:schemeClr val="accent1"/>
-          </a:fillRef>
-          <a:effectRef idx="0">
-            <a:schemeClr val="accent1"/>
-          </a:effectRef>
-          <a:fontRef idx="minor">
-            <a:schemeClr val="lt1"/>
-          </a:fontRef>
-        </p:style>
-        <p:txBody>
-          <a:bodyPr rtlCol="0" anchor="ctr"/>
-          <a:lstStyle/>
-          <a:p>
-            <a:pPr algn="ctr"/>
-            <a:r>
-              <a:rPr lang="en-US" sz="1600" dirty="0" err="1">
-                <a:solidFill>
-                  <a:schemeClr val="tx1"/>
-                </a:solidFill>
-              </a:rPr>
-              <a:t>AttType</a:t>
-            </a:r>
-            <a:endParaRPr lang="en-CN" sz="1600" dirty="0">
-              <a:solidFill>
-                <a:schemeClr val="tx1"/>
-              </a:solidFill>
-            </a:endParaRPr>
-          </a:p>
-        </p:txBody>
-      </p:sp>
-      <p:sp>
-        <p:nvSpPr>
-          <p:cNvPr id="40" name="Rectangle 39">
-            <a:extLst>
-              <a:ext uri="{FF2B5EF4-FFF2-40B4-BE49-F238E27FC236}">
-                <a16:creationId xmlns:a16="http://schemas.microsoft.com/office/drawing/2014/main" id="{3E1E2951-51D1-C543-A076-FFBE5C557169}"/>
-              </a:ext>
-            </a:extLst>
-          </p:cNvPr>
-          <p:cNvSpPr/>
-          <p:nvPr/>
-        </p:nvSpPr>
-        <p:spPr>
-          <a:xfrm>
-            <a:off x="1159495" y="3682482"/>
-            <a:ext cx="1348034" cy="546754"/>
-          </a:xfrm>
-          <a:prstGeom prst="rect">
-            <a:avLst/>
-          </a:prstGeom>
-          <a:solidFill>
-            <a:srgbClr val="CFE2F4"/>
-          </a:solidFill>
-          <a:ln>
-            <a:solidFill>
-              <a:schemeClr val="tx1"/>
-            </a:solidFill>
-          </a:ln>
-        </p:spPr>
-        <p:style>
-          <a:lnRef idx="2">
-            <a:schemeClr val="accent1">
-              <a:shade val="50000"/>
-            </a:schemeClr>
-          </a:lnRef>
-          <a:fillRef idx="1">
-            <a:schemeClr val="accent1"/>
-          </a:fillRef>
-          <a:effectRef idx="0">
-            <a:schemeClr val="accent1"/>
-          </a:effectRef>
-          <a:fontRef idx="minor">
-            <a:schemeClr val="lt1"/>
-          </a:fontRef>
-        </p:style>
-        <p:txBody>
-          <a:bodyPr rtlCol="0" anchor="ctr"/>
-          <a:lstStyle/>
-          <a:p>
-            <a:pPr algn="ctr"/>
-            <a:r>
-              <a:rPr lang="en-US" sz="1600" dirty="0" err="1">
-                <a:solidFill>
-                  <a:schemeClr val="tx1"/>
-                </a:solidFill>
-              </a:rPr>
-              <a:t>DataType</a:t>
-            </a:r>
-            <a:endParaRPr lang="en-CN" sz="1600" dirty="0">
-              <a:solidFill>
-                <a:schemeClr val="tx1"/>
-              </a:solidFill>
-            </a:endParaRPr>
-          </a:p>
-        </p:txBody>
-      </p:sp>
-      <p:sp>
-        <p:nvSpPr>
-          <p:cNvPr id="41" name="Rectangle 40">
-            <a:extLst>
-              <a:ext uri="{FF2B5EF4-FFF2-40B4-BE49-F238E27FC236}">
-                <a16:creationId xmlns:a16="http://schemas.microsoft.com/office/drawing/2014/main" id="{5C2988E3-A2DE-8649-95EC-7824C61202E2}"/>
-              </a:ext>
-            </a:extLst>
-          </p:cNvPr>
-          <p:cNvSpPr/>
-          <p:nvPr/>
-        </p:nvSpPr>
-        <p:spPr>
-          <a:xfrm>
-            <a:off x="2507529" y="3682482"/>
-            <a:ext cx="1348034" cy="546754"/>
-          </a:xfrm>
-          <a:prstGeom prst="rect">
-            <a:avLst/>
-          </a:prstGeom>
-          <a:solidFill>
-            <a:srgbClr val="CFE2F4"/>
-          </a:solidFill>
-          <a:ln>
-            <a:solidFill>
-              <a:schemeClr val="tx1"/>
-            </a:solidFill>
-          </a:ln>
-        </p:spPr>
-        <p:style>
-          <a:lnRef idx="2">
-            <a:schemeClr val="accent1">
-              <a:shade val="50000"/>
-            </a:schemeClr>
-          </a:lnRef>
-          <a:fillRef idx="1">
-            <a:schemeClr val="accent1"/>
-          </a:fillRef>
-          <a:effectRef idx="0">
-            <a:schemeClr val="accent1"/>
-          </a:effectRef>
-          <a:fontRef idx="minor">
-            <a:schemeClr val="lt1"/>
-          </a:fontRef>
-        </p:style>
-        <p:txBody>
-          <a:bodyPr rtlCol="0" anchor="ctr"/>
-          <a:lstStyle/>
-          <a:p>
-            <a:pPr algn="ctr"/>
-            <a:r>
-              <a:rPr lang="en-US" sz="1600" dirty="0">
-                <a:solidFill>
-                  <a:schemeClr val="tx1"/>
-                </a:solidFill>
-              </a:rPr>
-              <a:t>#Components</a:t>
-            </a:r>
-            <a:endParaRPr lang="en-CN" sz="1600" dirty="0">
-              <a:solidFill>
-                <a:schemeClr val="tx1"/>
-              </a:solidFill>
-            </a:endParaRPr>
-          </a:p>
-        </p:txBody>
-      </p:sp>
-      <p:sp>
-        <p:nvSpPr>
-          <p:cNvPr id="42" name="Rectangle 41">
-            <a:extLst>
-              <a:ext uri="{FF2B5EF4-FFF2-40B4-BE49-F238E27FC236}">
-                <a16:creationId xmlns:a16="http://schemas.microsoft.com/office/drawing/2014/main" id="{9495E1F2-53D1-EC45-8854-2C595D5CE721}"/>
-              </a:ext>
-            </a:extLst>
-          </p:cNvPr>
-          <p:cNvSpPr/>
-          <p:nvPr/>
-        </p:nvSpPr>
-        <p:spPr>
-          <a:xfrm>
-            <a:off x="3855563" y="3682482"/>
-            <a:ext cx="1348034" cy="546754"/>
-          </a:xfrm>
-          <a:prstGeom prst="rect">
-            <a:avLst/>
-          </a:prstGeom>
-          <a:solidFill>
-            <a:srgbClr val="CFE2F4"/>
-          </a:solidFill>
-          <a:ln>
-            <a:solidFill>
-              <a:schemeClr val="tx1"/>
-            </a:solidFill>
-          </a:ln>
-        </p:spPr>
-        <p:style>
-          <a:lnRef idx="2">
-            <a:schemeClr val="accent1">
-              <a:shade val="50000"/>
-            </a:schemeClr>
-          </a:lnRef>
-          <a:fillRef idx="1">
-            <a:schemeClr val="accent1"/>
-          </a:fillRef>
-          <a:effectRef idx="0">
-            <a:schemeClr val="accent1"/>
-          </a:effectRef>
-          <a:fontRef idx="minor">
-            <a:schemeClr val="lt1"/>
-          </a:fontRef>
-        </p:style>
-        <p:txBody>
-          <a:bodyPr rtlCol="0" anchor="ctr"/>
-          <a:lstStyle/>
-          <a:p>
-            <a:pPr algn="ctr"/>
-            <a:r>
-              <a:rPr lang="en-US" sz="1600" dirty="0">
-                <a:solidFill>
-                  <a:schemeClr val="tx1"/>
-                </a:solidFill>
-              </a:rPr>
-              <a:t>normalized</a:t>
-            </a:r>
-            <a:endParaRPr lang="en-CN" sz="1600" dirty="0">
-              <a:solidFill>
-                <a:schemeClr val="tx1"/>
-              </a:solidFill>
-            </a:endParaRPr>
-          </a:p>
-        </p:txBody>
-      </p:sp>
-      <p:sp>
-        <p:nvSpPr>
-          <p:cNvPr id="43" name="Rectangle 42">
-            <a:extLst>
-              <a:ext uri="{FF2B5EF4-FFF2-40B4-BE49-F238E27FC236}">
-                <a16:creationId xmlns:a16="http://schemas.microsoft.com/office/drawing/2014/main" id="{D7820346-DA45-4B4C-9BCF-F2AD7CBE36B8}"/>
-              </a:ext>
-            </a:extLst>
-          </p:cNvPr>
-          <p:cNvSpPr/>
-          <p:nvPr/>
-        </p:nvSpPr>
-        <p:spPr>
-          <a:xfrm>
-            <a:off x="5202743" y="3682482"/>
-            <a:ext cx="1348034" cy="546754"/>
-          </a:xfrm>
-          <a:prstGeom prst="rect">
-            <a:avLst/>
-          </a:prstGeom>
-          <a:solidFill>
-            <a:srgbClr val="CFE2F4"/>
-          </a:solidFill>
-          <a:ln>
-            <a:solidFill>
-              <a:schemeClr val="tx1"/>
-            </a:solidFill>
-          </a:ln>
-        </p:spPr>
-        <p:style>
-          <a:lnRef idx="2">
-            <a:schemeClr val="accent1">
-              <a:shade val="50000"/>
-            </a:schemeClr>
-          </a:lnRef>
-          <a:fillRef idx="1">
-            <a:schemeClr val="accent1"/>
-          </a:fillRef>
-          <a:effectRef idx="0">
-            <a:schemeClr val="accent1"/>
-          </a:effectRef>
-          <a:fontRef idx="minor">
-            <a:schemeClr val="lt1"/>
-          </a:fontRef>
-        </p:style>
-        <p:txBody>
-          <a:bodyPr rtlCol="0" anchor="ctr"/>
-          <a:lstStyle/>
-          <a:p>
-            <a:pPr algn="ctr"/>
-            <a:r>
-              <a:rPr lang="en-US" sz="1600" dirty="0" err="1">
-                <a:solidFill>
-                  <a:schemeClr val="tx1"/>
-                </a:solidFill>
-              </a:rPr>
-              <a:t>UniqueId</a:t>
-            </a:r>
-            <a:endParaRPr lang="en-CN" sz="1600" dirty="0">
-              <a:solidFill>
-                <a:schemeClr val="tx1"/>
-              </a:solidFill>
-            </a:endParaRPr>
-          </a:p>
-        </p:txBody>
-      </p:sp>
-      <p:sp>
-        <p:nvSpPr>
-          <p:cNvPr id="44" name="Rectangle 43">
-            <a:extLst>
-              <a:ext uri="{FF2B5EF4-FFF2-40B4-BE49-F238E27FC236}">
-                <a16:creationId xmlns:a16="http://schemas.microsoft.com/office/drawing/2014/main" id="{4FB1291C-5998-DF4C-AFC6-CABFE9472D67}"/>
-              </a:ext>
-            </a:extLst>
-          </p:cNvPr>
-          <p:cNvSpPr/>
-          <p:nvPr/>
-        </p:nvSpPr>
-        <p:spPr>
-          <a:xfrm>
-            <a:off x="-4668812" y="3703342"/>
-            <a:ext cx="818287" cy="219762"/>
-          </a:xfrm>
-          <a:prstGeom prst="rect">
-            <a:avLst/>
-          </a:prstGeom>
-          <a:solidFill>
-            <a:srgbClr val="CFE2F4"/>
-          </a:solidFill>
-          <a:ln>
-            <a:solidFill>
-              <a:schemeClr val="tx1"/>
-            </a:solidFill>
-          </a:ln>
-        </p:spPr>
-        <p:style>
-          <a:lnRef idx="2">
-            <a:schemeClr val="accent1">
-              <a:shade val="50000"/>
-            </a:schemeClr>
-          </a:lnRef>
-          <a:fillRef idx="1">
-            <a:schemeClr val="accent1"/>
-          </a:fillRef>
-          <a:effectRef idx="0">
-            <a:schemeClr val="accent1"/>
-          </a:effectRef>
-          <a:fontRef idx="minor">
-            <a:schemeClr val="lt1"/>
-          </a:fontRef>
-        </p:style>
-        <p:txBody>
-          <a:bodyPr rtlCol="0" anchor="ctr"/>
-          <a:lstStyle/>
-          <a:p>
-            <a:pPr algn="ctr"/>
-            <a:endParaRPr lang="en-CN" sz="1600" dirty="0">
-              <a:solidFill>
-                <a:schemeClr val="tx1"/>
-              </a:solidFill>
-            </a:endParaRPr>
-          </a:p>
-        </p:txBody>
-      </p:sp>
-      <p:sp>
-        <p:nvSpPr>
-          <p:cNvPr id="46" name="Rectangle 45">
-            <a:extLst>
-              <a:ext uri="{FF2B5EF4-FFF2-40B4-BE49-F238E27FC236}">
-                <a16:creationId xmlns:a16="http://schemas.microsoft.com/office/drawing/2014/main" id="{E3C26248-46BB-2146-8E00-728F5B39171D}"/>
-              </a:ext>
-            </a:extLst>
-          </p:cNvPr>
-          <p:cNvSpPr/>
-          <p:nvPr/>
-        </p:nvSpPr>
-        <p:spPr>
-          <a:xfrm>
-            <a:off x="-3850789" y="3703342"/>
-            <a:ext cx="818287" cy="219762"/>
-          </a:xfrm>
-          <a:prstGeom prst="rect">
-            <a:avLst/>
-          </a:prstGeom>
-          <a:solidFill>
-            <a:srgbClr val="CFE2F4"/>
-          </a:solidFill>
-          <a:ln>
-            <a:solidFill>
-              <a:schemeClr val="tx1"/>
-            </a:solidFill>
-          </a:ln>
-        </p:spPr>
-        <p:style>
-          <a:lnRef idx="2">
-            <a:schemeClr val="accent1">
-              <a:shade val="50000"/>
-            </a:schemeClr>
-          </a:lnRef>
-          <a:fillRef idx="1">
-            <a:schemeClr val="accent1"/>
-          </a:fillRef>
-          <a:effectRef idx="0">
-            <a:schemeClr val="accent1"/>
-          </a:effectRef>
-          <a:fontRef idx="minor">
-            <a:schemeClr val="lt1"/>
-          </a:fontRef>
-        </p:style>
-        <p:txBody>
-          <a:bodyPr rtlCol="0" anchor="ctr"/>
-          <a:lstStyle/>
-          <a:p>
-            <a:pPr algn="ctr"/>
-            <a:endParaRPr lang="en-CN" sz="1600" dirty="0">
-              <a:solidFill>
-                <a:schemeClr val="tx1"/>
-              </a:solidFill>
-            </a:endParaRPr>
-          </a:p>
-        </p:txBody>
-      </p:sp>
-      <p:sp>
-        <p:nvSpPr>
-          <p:cNvPr id="47" name="Rectangle 46">
-            <a:extLst>
-              <a:ext uri="{FF2B5EF4-FFF2-40B4-BE49-F238E27FC236}">
-                <a16:creationId xmlns:a16="http://schemas.microsoft.com/office/drawing/2014/main" id="{1A478381-9B09-364F-8F32-781DE7C1D17C}"/>
-              </a:ext>
-            </a:extLst>
-          </p:cNvPr>
-          <p:cNvSpPr/>
-          <p:nvPr/>
-        </p:nvSpPr>
-        <p:spPr>
-          <a:xfrm>
-            <a:off x="-3032766" y="3703342"/>
-            <a:ext cx="818287" cy="219762"/>
-          </a:xfrm>
-          <a:prstGeom prst="rect">
-            <a:avLst/>
-          </a:prstGeom>
-          <a:solidFill>
-            <a:srgbClr val="CFE2F4"/>
-          </a:solidFill>
-          <a:ln>
-            <a:solidFill>
-              <a:schemeClr val="tx1"/>
-            </a:solidFill>
-          </a:ln>
-        </p:spPr>
-        <p:style>
-          <a:lnRef idx="2">
-            <a:schemeClr val="accent1">
-              <a:shade val="50000"/>
-            </a:schemeClr>
-          </a:lnRef>
-          <a:fillRef idx="1">
-            <a:schemeClr val="accent1"/>
-          </a:fillRef>
-          <a:effectRef idx="0">
-            <a:schemeClr val="accent1"/>
-          </a:effectRef>
-          <a:fontRef idx="minor">
-            <a:schemeClr val="lt1"/>
-          </a:fontRef>
-        </p:style>
-        <p:txBody>
-          <a:bodyPr rtlCol="0" anchor="ctr"/>
-          <a:lstStyle/>
-          <a:p>
-            <a:pPr algn="ctr"/>
-            <a:endParaRPr lang="en-CN" sz="1600" dirty="0">
-              <a:solidFill>
-                <a:schemeClr val="tx1"/>
-              </a:solidFill>
-            </a:endParaRPr>
-          </a:p>
-        </p:txBody>
-      </p:sp>
-      <p:sp>
-        <p:nvSpPr>
-          <p:cNvPr id="49" name="Rectangle 48">
-            <a:extLst>
-              <a:ext uri="{FF2B5EF4-FFF2-40B4-BE49-F238E27FC236}">
-                <a16:creationId xmlns:a16="http://schemas.microsoft.com/office/drawing/2014/main" id="{BF2EA1D1-0214-7C40-8A5E-659DB3CE1D15}"/>
-              </a:ext>
-            </a:extLst>
-          </p:cNvPr>
-          <p:cNvSpPr/>
-          <p:nvPr/>
-        </p:nvSpPr>
-        <p:spPr>
-          <a:xfrm>
-            <a:off x="-2214743" y="3703342"/>
-            <a:ext cx="818287" cy="219762"/>
-          </a:xfrm>
-          <a:prstGeom prst="rect">
-            <a:avLst/>
-          </a:prstGeom>
-          <a:solidFill>
-            <a:srgbClr val="CFE2F4"/>
-          </a:solidFill>
-          <a:ln>
-            <a:solidFill>
-              <a:schemeClr val="tx1"/>
-            </a:solidFill>
-          </a:ln>
-        </p:spPr>
-        <p:style>
-          <a:lnRef idx="2">
-            <a:schemeClr val="accent1">
-              <a:shade val="50000"/>
-            </a:schemeClr>
-          </a:lnRef>
-          <a:fillRef idx="1">
-            <a:schemeClr val="accent1"/>
-          </a:fillRef>
-          <a:effectRef idx="0">
-            <a:schemeClr val="accent1"/>
-          </a:effectRef>
-          <a:fontRef idx="minor">
-            <a:schemeClr val="lt1"/>
-          </a:fontRef>
-        </p:style>
-        <p:txBody>
-          <a:bodyPr rtlCol="0" anchor="ctr"/>
-          <a:lstStyle/>
-          <a:p>
-            <a:pPr algn="ctr"/>
-            <a:endParaRPr lang="en-CN" sz="1600" dirty="0">
-              <a:solidFill>
-                <a:schemeClr val="tx1"/>
-              </a:solidFill>
-            </a:endParaRPr>
-          </a:p>
-        </p:txBody>
-      </p:sp>
-      <p:sp>
-        <p:nvSpPr>
-          <p:cNvPr id="50" name="Rectangle 49">
-            <a:extLst>
-              <a:ext uri="{FF2B5EF4-FFF2-40B4-BE49-F238E27FC236}">
-                <a16:creationId xmlns:a16="http://schemas.microsoft.com/office/drawing/2014/main" id="{E93BE2B9-237E-3840-A12D-CDA7F79CDAD8}"/>
-              </a:ext>
-            </a:extLst>
-          </p:cNvPr>
-          <p:cNvSpPr/>
-          <p:nvPr/>
-        </p:nvSpPr>
-        <p:spPr>
-          <a:xfrm>
-            <a:off x="-1396720" y="3703342"/>
-            <a:ext cx="818287" cy="219762"/>
-          </a:xfrm>
-          <a:prstGeom prst="rect">
-            <a:avLst/>
-          </a:prstGeom>
-          <a:solidFill>
-            <a:srgbClr val="CFE2F4"/>
-          </a:solidFill>
-          <a:ln>
-            <a:solidFill>
-              <a:schemeClr val="tx1"/>
-            </a:solidFill>
-          </a:ln>
-        </p:spPr>
-        <p:style>
-          <a:lnRef idx="2">
-            <a:schemeClr val="accent1">
-              <a:shade val="50000"/>
-            </a:schemeClr>
-          </a:lnRef>
-          <a:fillRef idx="1">
-            <a:schemeClr val="accent1"/>
-          </a:fillRef>
-          <a:effectRef idx="0">
-            <a:schemeClr val="accent1"/>
-          </a:effectRef>
-          <a:fontRef idx="minor">
-            <a:schemeClr val="lt1"/>
-          </a:fontRef>
-        </p:style>
-        <p:txBody>
-          <a:bodyPr rtlCol="0" anchor="ctr"/>
-          <a:lstStyle/>
-          <a:p>
-            <a:pPr algn="ctr"/>
-            <a:endParaRPr lang="en-CN" sz="1600" dirty="0">
-              <a:solidFill>
-                <a:schemeClr val="tx1"/>
-              </a:solidFill>
-            </a:endParaRPr>
-          </a:p>
-        </p:txBody>
-      </p:sp>
-      <p:sp>
-        <p:nvSpPr>
-          <p:cNvPr id="51" name="Rectangle 50">
-            <a:extLst>
-              <a:ext uri="{FF2B5EF4-FFF2-40B4-BE49-F238E27FC236}">
-                <a16:creationId xmlns:a16="http://schemas.microsoft.com/office/drawing/2014/main" id="{29FBF656-4027-0749-AD44-9DA0061C4DDB}"/>
-              </a:ext>
-            </a:extLst>
-          </p:cNvPr>
-          <p:cNvSpPr/>
-          <p:nvPr/>
-        </p:nvSpPr>
-        <p:spPr>
-          <a:xfrm>
-            <a:off x="-4669076" y="3923104"/>
-            <a:ext cx="818287" cy="219762"/>
-          </a:xfrm>
-          <a:prstGeom prst="rect">
-            <a:avLst/>
-          </a:prstGeom>
-          <a:solidFill>
-            <a:srgbClr val="CFE2F4"/>
-          </a:solidFill>
-          <a:ln>
-            <a:solidFill>
-              <a:schemeClr val="tx1"/>
-            </a:solidFill>
-          </a:ln>
-        </p:spPr>
-        <p:style>
-          <a:lnRef idx="2">
-            <a:schemeClr val="accent1">
-              <a:shade val="50000"/>
-            </a:schemeClr>
-          </a:lnRef>
-          <a:fillRef idx="1">
-            <a:schemeClr val="accent1"/>
-          </a:fillRef>
-          <a:effectRef idx="0">
-            <a:schemeClr val="accent1"/>
-          </a:effectRef>
-          <a:fontRef idx="minor">
-            <a:schemeClr val="lt1"/>
-          </a:fontRef>
-        </p:style>
-        <p:txBody>
-          <a:bodyPr rtlCol="0" anchor="ctr"/>
-          <a:lstStyle/>
-          <a:p>
-            <a:pPr algn="ctr"/>
-            <a:endParaRPr lang="en-CN" sz="1600" dirty="0">
-              <a:solidFill>
-                <a:schemeClr val="tx1"/>
-              </a:solidFill>
-            </a:endParaRPr>
-          </a:p>
-        </p:txBody>
-      </p:sp>
-      <p:sp>
-        <p:nvSpPr>
-          <p:cNvPr id="52" name="Rectangle 51">
-            <a:extLst>
-              <a:ext uri="{FF2B5EF4-FFF2-40B4-BE49-F238E27FC236}">
-                <a16:creationId xmlns:a16="http://schemas.microsoft.com/office/drawing/2014/main" id="{5735F6CB-5EE8-D14F-B895-5C2DD3E5E512}"/>
-              </a:ext>
-            </a:extLst>
-          </p:cNvPr>
-          <p:cNvSpPr/>
-          <p:nvPr/>
-        </p:nvSpPr>
-        <p:spPr>
-          <a:xfrm>
-            <a:off x="-3851053" y="3923104"/>
-            <a:ext cx="818287" cy="219762"/>
-          </a:xfrm>
-          <a:prstGeom prst="rect">
-            <a:avLst/>
-          </a:prstGeom>
-          <a:solidFill>
-            <a:srgbClr val="CFE2F4"/>
-          </a:solidFill>
-          <a:ln>
-            <a:solidFill>
-              <a:schemeClr val="tx1"/>
-            </a:solidFill>
-          </a:ln>
-        </p:spPr>
-        <p:style>
-          <a:lnRef idx="2">
-            <a:schemeClr val="accent1">
-              <a:shade val="50000"/>
-            </a:schemeClr>
-          </a:lnRef>
-          <a:fillRef idx="1">
-            <a:schemeClr val="accent1"/>
-          </a:fillRef>
-          <a:effectRef idx="0">
-            <a:schemeClr val="accent1"/>
-          </a:effectRef>
-          <a:fontRef idx="minor">
-            <a:schemeClr val="lt1"/>
-          </a:fontRef>
-        </p:style>
-        <p:txBody>
-          <a:bodyPr rtlCol="0" anchor="ctr"/>
-          <a:lstStyle/>
-          <a:p>
-            <a:pPr algn="ctr"/>
-            <a:endParaRPr lang="en-CN" sz="1600" dirty="0">
-              <a:solidFill>
-                <a:schemeClr val="tx1"/>
-              </a:solidFill>
-            </a:endParaRPr>
-          </a:p>
-        </p:txBody>
-      </p:sp>
-      <p:sp>
-        <p:nvSpPr>
-          <p:cNvPr id="53" name="Rectangle 52">
-            <a:extLst>
-              <a:ext uri="{FF2B5EF4-FFF2-40B4-BE49-F238E27FC236}">
-                <a16:creationId xmlns:a16="http://schemas.microsoft.com/office/drawing/2014/main" id="{3F628022-24BA-7449-A6AF-FE9E19E69255}"/>
-              </a:ext>
-            </a:extLst>
-          </p:cNvPr>
-          <p:cNvSpPr/>
-          <p:nvPr/>
-        </p:nvSpPr>
-        <p:spPr>
-          <a:xfrm>
-            <a:off x="-3033030" y="3923104"/>
-            <a:ext cx="818287" cy="219762"/>
-          </a:xfrm>
-          <a:prstGeom prst="rect">
-            <a:avLst/>
-          </a:prstGeom>
-          <a:solidFill>
-            <a:srgbClr val="CFE2F4"/>
-          </a:solidFill>
-          <a:ln>
-            <a:solidFill>
-              <a:schemeClr val="tx1"/>
-            </a:solidFill>
-          </a:ln>
-        </p:spPr>
-        <p:style>
-          <a:lnRef idx="2">
-            <a:schemeClr val="accent1">
-              <a:shade val="50000"/>
-            </a:schemeClr>
-          </a:lnRef>
-          <a:fillRef idx="1">
-            <a:schemeClr val="accent1"/>
-          </a:fillRef>
-          <a:effectRef idx="0">
-            <a:schemeClr val="accent1"/>
-          </a:effectRef>
-          <a:fontRef idx="minor">
-            <a:schemeClr val="lt1"/>
-          </a:fontRef>
-        </p:style>
-        <p:txBody>
-          <a:bodyPr rtlCol="0" anchor="ctr"/>
-          <a:lstStyle/>
-          <a:p>
-            <a:pPr algn="ctr"/>
-            <a:endParaRPr lang="en-CN" sz="1600" dirty="0">
-              <a:solidFill>
-                <a:schemeClr val="tx1"/>
-              </a:solidFill>
-            </a:endParaRPr>
-          </a:p>
-        </p:txBody>
-      </p:sp>
-      <p:sp>
-        <p:nvSpPr>
-          <p:cNvPr id="54" name="Rectangle 53">
-            <a:extLst>
-              <a:ext uri="{FF2B5EF4-FFF2-40B4-BE49-F238E27FC236}">
-                <a16:creationId xmlns:a16="http://schemas.microsoft.com/office/drawing/2014/main" id="{D8D42DF1-B70D-2249-A506-07110B7D7F36}"/>
-              </a:ext>
-            </a:extLst>
-          </p:cNvPr>
-          <p:cNvSpPr/>
-          <p:nvPr/>
-        </p:nvSpPr>
-        <p:spPr>
-          <a:xfrm>
-            <a:off x="-2215007" y="3923104"/>
-            <a:ext cx="818287" cy="219762"/>
-          </a:xfrm>
-          <a:prstGeom prst="rect">
-            <a:avLst/>
-          </a:prstGeom>
-          <a:solidFill>
-            <a:srgbClr val="CFE2F4"/>
-          </a:solidFill>
-          <a:ln>
-            <a:solidFill>
-              <a:schemeClr val="tx1"/>
-            </a:solidFill>
-          </a:ln>
-        </p:spPr>
-        <p:style>
-          <a:lnRef idx="2">
-            <a:schemeClr val="accent1">
-              <a:shade val="50000"/>
-            </a:schemeClr>
-          </a:lnRef>
-          <a:fillRef idx="1">
-            <a:schemeClr val="accent1"/>
-          </a:fillRef>
-          <a:effectRef idx="0">
-            <a:schemeClr val="accent1"/>
-          </a:effectRef>
-          <a:fontRef idx="minor">
-            <a:schemeClr val="lt1"/>
-          </a:fontRef>
-        </p:style>
-        <p:txBody>
-          <a:bodyPr rtlCol="0" anchor="ctr"/>
-          <a:lstStyle/>
-          <a:p>
-            <a:pPr algn="ctr"/>
-            <a:endParaRPr lang="en-CN" sz="1600" dirty="0">
-              <a:solidFill>
-                <a:schemeClr val="tx1"/>
-              </a:solidFill>
-            </a:endParaRPr>
-          </a:p>
-        </p:txBody>
-      </p:sp>
-      <p:sp>
-        <p:nvSpPr>
-          <p:cNvPr id="55" name="Rectangle 54">
-            <a:extLst>
-              <a:ext uri="{FF2B5EF4-FFF2-40B4-BE49-F238E27FC236}">
-                <a16:creationId xmlns:a16="http://schemas.microsoft.com/office/drawing/2014/main" id="{90A93BE5-9985-764C-9705-FA944ECCF263}"/>
-              </a:ext>
-            </a:extLst>
-          </p:cNvPr>
-          <p:cNvSpPr/>
-          <p:nvPr/>
-        </p:nvSpPr>
-        <p:spPr>
-          <a:xfrm>
-            <a:off x="-1396984" y="3923104"/>
-            <a:ext cx="818287" cy="219762"/>
-          </a:xfrm>
-          <a:prstGeom prst="rect">
-            <a:avLst/>
-          </a:prstGeom>
-          <a:solidFill>
-            <a:srgbClr val="CFE2F4"/>
-          </a:solidFill>
-          <a:ln>
-            <a:solidFill>
-              <a:schemeClr val="tx1"/>
-            </a:solidFill>
-          </a:ln>
-        </p:spPr>
-        <p:style>
-          <a:lnRef idx="2">
-            <a:schemeClr val="accent1">
-              <a:shade val="50000"/>
-            </a:schemeClr>
-          </a:lnRef>
-          <a:fillRef idx="1">
-            <a:schemeClr val="accent1"/>
-          </a:fillRef>
-          <a:effectRef idx="0">
-            <a:schemeClr val="accent1"/>
-          </a:effectRef>
-          <a:fontRef idx="minor">
-            <a:schemeClr val="lt1"/>
-          </a:fontRef>
-        </p:style>
-        <p:txBody>
-          <a:bodyPr rtlCol="0" anchor="ctr"/>
-          <a:lstStyle/>
-          <a:p>
-            <a:pPr algn="ctr"/>
-            <a:endParaRPr lang="en-CN" sz="1600" dirty="0">
-              <a:solidFill>
-                <a:schemeClr val="tx1"/>
-              </a:solidFill>
-            </a:endParaRPr>
-          </a:p>
-        </p:txBody>
-      </p:sp>
-      <p:sp>
-        <p:nvSpPr>
-          <p:cNvPr id="56" name="Rectangle 55">
-            <a:extLst>
-              <a:ext uri="{FF2B5EF4-FFF2-40B4-BE49-F238E27FC236}">
-                <a16:creationId xmlns:a16="http://schemas.microsoft.com/office/drawing/2014/main" id="{32FE943A-7A4A-BC41-BF76-F62A0F3BB1E9}"/>
-              </a:ext>
-            </a:extLst>
-          </p:cNvPr>
-          <p:cNvSpPr/>
-          <p:nvPr/>
-        </p:nvSpPr>
-        <p:spPr>
-          <a:xfrm>
-            <a:off x="-3033030" y="4560565"/>
-            <a:ext cx="818287" cy="219762"/>
-          </a:xfrm>
-          <a:prstGeom prst="rect">
-            <a:avLst/>
-          </a:prstGeom>
-          <a:solidFill>
-            <a:srgbClr val="CFE2F4"/>
-          </a:solidFill>
-          <a:ln>
-            <a:solidFill>
-              <a:schemeClr val="tx1"/>
-            </a:solidFill>
-          </a:ln>
-        </p:spPr>
-        <p:style>
-          <a:lnRef idx="2">
-            <a:schemeClr val="accent1">
-              <a:shade val="50000"/>
-            </a:schemeClr>
-          </a:lnRef>
-          <a:fillRef idx="1">
-            <a:schemeClr val="accent1"/>
-          </a:fillRef>
-          <a:effectRef idx="0">
-            <a:schemeClr val="accent1"/>
-          </a:effectRef>
-          <a:fontRef idx="minor">
-            <a:schemeClr val="lt1"/>
-          </a:fontRef>
-        </p:style>
-        <p:txBody>
-          <a:bodyPr rtlCol="0" anchor="ctr"/>
-          <a:lstStyle/>
-          <a:p>
-            <a:pPr algn="ctr"/>
-            <a:endParaRPr lang="en-CN" sz="1600" dirty="0">
-              <a:solidFill>
-                <a:schemeClr val="tx1"/>
-              </a:solidFill>
-            </a:endParaRPr>
-          </a:p>
-        </p:txBody>
-      </p:sp>
-      <p:sp>
-        <p:nvSpPr>
-          <p:cNvPr id="57" name="Rectangle 56">
-            <a:extLst>
-              <a:ext uri="{FF2B5EF4-FFF2-40B4-BE49-F238E27FC236}">
-                <a16:creationId xmlns:a16="http://schemas.microsoft.com/office/drawing/2014/main" id="{041A5757-D832-7042-AA8B-4EC0B5B25A4C}"/>
-              </a:ext>
-            </a:extLst>
-          </p:cNvPr>
-          <p:cNvSpPr/>
-          <p:nvPr/>
-        </p:nvSpPr>
-        <p:spPr>
-          <a:xfrm>
-            <a:off x="-3033294" y="4780327"/>
-            <a:ext cx="818287" cy="219762"/>
-          </a:xfrm>
-          <a:prstGeom prst="rect">
-            <a:avLst/>
-          </a:prstGeom>
-          <a:solidFill>
-            <a:srgbClr val="CFE2F4"/>
-          </a:solidFill>
-          <a:ln>
-            <a:solidFill>
-              <a:schemeClr val="tx1"/>
-            </a:solidFill>
-          </a:ln>
-        </p:spPr>
-        <p:style>
-          <a:lnRef idx="2">
-            <a:schemeClr val="accent1">
-              <a:shade val="50000"/>
-            </a:schemeClr>
-          </a:lnRef>
-          <a:fillRef idx="1">
-            <a:schemeClr val="accent1"/>
-          </a:fillRef>
-          <a:effectRef idx="0">
-            <a:schemeClr val="accent1"/>
-          </a:effectRef>
-          <a:fontRef idx="minor">
-            <a:schemeClr val="lt1"/>
-          </a:fontRef>
-        </p:style>
-        <p:txBody>
-          <a:bodyPr rtlCol="0" anchor="ctr"/>
-          <a:lstStyle/>
-          <a:p>
-            <a:pPr algn="ctr"/>
-            <a:endParaRPr lang="en-CN" sz="1600" dirty="0">
-              <a:solidFill>
-                <a:schemeClr val="tx1"/>
-              </a:solidFill>
-            </a:endParaRPr>
-          </a:p>
-        </p:txBody>
-      </p:sp>
-      <p:sp>
-        <p:nvSpPr>
-          <p:cNvPr id="58" name="Rectangle 57">
-            <a:extLst>
-              <a:ext uri="{FF2B5EF4-FFF2-40B4-BE49-F238E27FC236}">
-                <a16:creationId xmlns:a16="http://schemas.microsoft.com/office/drawing/2014/main" id="{501090A4-AD76-0848-AFF0-C60D3AA207E3}"/>
-              </a:ext>
-            </a:extLst>
-          </p:cNvPr>
-          <p:cNvSpPr/>
-          <p:nvPr/>
-        </p:nvSpPr>
-        <p:spPr>
-          <a:xfrm>
-            <a:off x="2460096" y="4560565"/>
-            <a:ext cx="1348034" cy="546754"/>
-          </a:xfrm>
-          <a:prstGeom prst="rect">
-            <a:avLst/>
-          </a:prstGeom>
-          <a:solidFill>
-            <a:srgbClr val="CFE2F4"/>
-          </a:solidFill>
-          <a:ln>
-            <a:solidFill>
-              <a:schemeClr val="tx1"/>
-            </a:solidFill>
-          </a:ln>
-        </p:spPr>
-        <p:style>
-          <a:lnRef idx="2">
-            <a:schemeClr val="accent1">
-              <a:shade val="50000"/>
-            </a:schemeClr>
-          </a:lnRef>
-          <a:fillRef idx="1">
-            <a:schemeClr val="accent1"/>
-          </a:fillRef>
-          <a:effectRef idx="0">
-            <a:schemeClr val="accent1"/>
-          </a:effectRef>
-          <a:fontRef idx="minor">
-            <a:schemeClr val="lt1"/>
-          </a:fontRef>
-        </p:style>
-        <p:txBody>
-          <a:bodyPr rtlCol="0" anchor="ctr"/>
-          <a:lstStyle/>
-          <a:p>
-            <a:pPr algn="ctr"/>
-            <a:r>
-              <a:rPr lang="en-US" sz="1600" dirty="0" err="1">
-                <a:solidFill>
-                  <a:schemeClr val="tx1"/>
-                </a:solidFill>
-              </a:rPr>
-              <a:t>DecoderType</a:t>
-            </a:r>
-            <a:endParaRPr lang="en-CN" sz="1600" dirty="0">
-              <a:solidFill>
-                <a:schemeClr val="tx1"/>
-              </a:solidFill>
-            </a:endParaRPr>
-          </a:p>
-        </p:txBody>
-      </p:sp>
-      <p:sp>
-        <p:nvSpPr>
-          <p:cNvPr id="3" name="TextBox 2">
-            <a:extLst>
-              <a:ext uri="{FF2B5EF4-FFF2-40B4-BE49-F238E27FC236}">
-                <a16:creationId xmlns:a16="http://schemas.microsoft.com/office/drawing/2014/main" id="{A371AA13-BDEC-404A-B4FE-25D4E3D316C7}"/>
-              </a:ext>
-            </a:extLst>
-          </p:cNvPr>
-          <p:cNvSpPr txBox="1"/>
-          <p:nvPr/>
-        </p:nvSpPr>
-        <p:spPr>
-          <a:xfrm>
-            <a:off x="-5529127" y="3678348"/>
-            <a:ext cx="859787" cy="276999"/>
-          </a:xfrm>
-          <a:prstGeom prst="rect">
-            <a:avLst/>
-          </a:prstGeom>
-          <a:noFill/>
-        </p:spPr>
-        <p:txBody>
-          <a:bodyPr wrap="none" rtlCol="0">
-            <a:spAutoFit/>
-          </a:bodyPr>
-          <a:lstStyle/>
-          <a:p>
-            <a:r>
-              <a:rPr lang="en-US" sz="1200" dirty="0"/>
-              <a:t>A</a:t>
-            </a:r>
-            <a:r>
-              <a:rPr lang="en-CN" sz="1200" dirty="0"/>
-              <a:t>ttribute 1</a:t>
-            </a:r>
-          </a:p>
-        </p:txBody>
-      </p:sp>
-      <p:sp>
-        <p:nvSpPr>
-          <p:cNvPr id="45" name="TextBox 44">
-            <a:extLst>
-              <a:ext uri="{FF2B5EF4-FFF2-40B4-BE49-F238E27FC236}">
-                <a16:creationId xmlns:a16="http://schemas.microsoft.com/office/drawing/2014/main" id="{708D5CBC-2240-5A4A-BCD6-F18C7CD77A95}"/>
-              </a:ext>
-            </a:extLst>
-          </p:cNvPr>
-          <p:cNvSpPr txBox="1"/>
-          <p:nvPr/>
-        </p:nvSpPr>
-        <p:spPr>
-          <a:xfrm>
-            <a:off x="-5529127" y="3894485"/>
-            <a:ext cx="859787" cy="276999"/>
-          </a:xfrm>
-          <a:prstGeom prst="rect">
-            <a:avLst/>
-          </a:prstGeom>
-          <a:noFill/>
-        </p:spPr>
-        <p:txBody>
-          <a:bodyPr wrap="none" rtlCol="0">
-            <a:spAutoFit/>
-          </a:bodyPr>
-          <a:lstStyle/>
-          <a:p>
-            <a:r>
-              <a:rPr lang="en-US" sz="1200" dirty="0"/>
-              <a:t>A</a:t>
-            </a:r>
-            <a:r>
-              <a:rPr lang="en-CN" sz="1200" dirty="0"/>
-              <a:t>ttribute 2</a:t>
-            </a:r>
-          </a:p>
-        </p:txBody>
-      </p:sp>
-      <p:sp>
-        <p:nvSpPr>
-          <p:cNvPr id="48" name="TextBox 47">
-            <a:extLst>
-              <a:ext uri="{FF2B5EF4-FFF2-40B4-BE49-F238E27FC236}">
-                <a16:creationId xmlns:a16="http://schemas.microsoft.com/office/drawing/2014/main" id="{FE5DEC8E-BBA2-DE4F-91D9-B0984BF4391E}"/>
-              </a:ext>
-            </a:extLst>
-          </p:cNvPr>
-          <p:cNvSpPr txBox="1"/>
-          <p:nvPr/>
-        </p:nvSpPr>
-        <p:spPr>
-          <a:xfrm>
-            <a:off x="-5529127" y="4098770"/>
-            <a:ext cx="816506" cy="276999"/>
-          </a:xfrm>
-          <a:prstGeom prst="rect">
-            <a:avLst/>
-          </a:prstGeom>
-          <a:noFill/>
-        </p:spPr>
-        <p:txBody>
-          <a:bodyPr wrap="none" rtlCol="0">
-            <a:spAutoFit/>
-          </a:bodyPr>
-          <a:lstStyle/>
-          <a:p>
-            <a:r>
-              <a:rPr lang="en-US" sz="1200" dirty="0"/>
-              <a:t>A</a:t>
-            </a:r>
-            <a:r>
-              <a:rPr lang="en-CN" sz="1200" dirty="0"/>
-              <a:t>ttribute i</a:t>
-            </a:r>
-          </a:p>
-        </p:txBody>
-      </p:sp>
-      <p:sp>
-        <p:nvSpPr>
-          <p:cNvPr id="59" name="TextBox 58">
-            <a:extLst>
-              <a:ext uri="{FF2B5EF4-FFF2-40B4-BE49-F238E27FC236}">
-                <a16:creationId xmlns:a16="http://schemas.microsoft.com/office/drawing/2014/main" id="{44E4F076-FB35-3344-84AF-E29CB60E5D61}"/>
-              </a:ext>
-            </a:extLst>
-          </p:cNvPr>
-          <p:cNvSpPr txBox="1"/>
-          <p:nvPr/>
-        </p:nvSpPr>
-        <p:spPr>
-          <a:xfrm>
-            <a:off x="-2774192" y="4135149"/>
-            <a:ext cx="300082" cy="276999"/>
-          </a:xfrm>
-          <a:prstGeom prst="rect">
-            <a:avLst/>
-          </a:prstGeom>
-          <a:noFill/>
-        </p:spPr>
-        <p:txBody>
-          <a:bodyPr wrap="none" rtlCol="0">
-            <a:spAutoFit/>
-          </a:bodyPr>
-          <a:lstStyle/>
-          <a:p>
-            <a:r>
-              <a:rPr lang="en-US" sz="1200" dirty="0"/>
-              <a:t>…</a:t>
-            </a:r>
-            <a:endParaRPr lang="en-CN" sz="1200" dirty="0"/>
-          </a:p>
-        </p:txBody>
-      </p:sp>
-      <p:sp>
-        <p:nvSpPr>
-          <p:cNvPr id="64" name="TextBox 63">
-            <a:extLst>
-              <a:ext uri="{FF2B5EF4-FFF2-40B4-BE49-F238E27FC236}">
-                <a16:creationId xmlns:a16="http://schemas.microsoft.com/office/drawing/2014/main" id="{40BCA523-48FC-6745-90EF-DAFD937147AE}"/>
-              </a:ext>
-            </a:extLst>
-          </p:cNvPr>
-          <p:cNvSpPr txBox="1"/>
-          <p:nvPr/>
-        </p:nvSpPr>
-        <p:spPr>
-          <a:xfrm>
-            <a:off x="-3871572" y="4548397"/>
-            <a:ext cx="859787" cy="276999"/>
-          </a:xfrm>
-          <a:prstGeom prst="rect">
-            <a:avLst/>
-          </a:prstGeom>
-          <a:noFill/>
-        </p:spPr>
-        <p:txBody>
-          <a:bodyPr wrap="none" rtlCol="0">
-            <a:spAutoFit/>
-          </a:bodyPr>
-          <a:lstStyle/>
-          <a:p>
-            <a:r>
-              <a:rPr lang="en-US" sz="1200" dirty="0"/>
-              <a:t>A</a:t>
-            </a:r>
-            <a:r>
-              <a:rPr lang="en-CN" sz="1200" dirty="0"/>
-              <a:t>ttribute 1</a:t>
-            </a:r>
-          </a:p>
-        </p:txBody>
-      </p:sp>
-      <p:sp>
-        <p:nvSpPr>
-          <p:cNvPr id="65" name="TextBox 64">
-            <a:extLst>
-              <a:ext uri="{FF2B5EF4-FFF2-40B4-BE49-F238E27FC236}">
-                <a16:creationId xmlns:a16="http://schemas.microsoft.com/office/drawing/2014/main" id="{9680B659-22B2-2F4D-B9C5-255650CC5BF8}"/>
-              </a:ext>
-            </a:extLst>
-          </p:cNvPr>
-          <p:cNvSpPr txBox="1"/>
-          <p:nvPr/>
-        </p:nvSpPr>
-        <p:spPr>
-          <a:xfrm>
-            <a:off x="-3871572" y="4764534"/>
-            <a:ext cx="859787" cy="276999"/>
-          </a:xfrm>
-          <a:prstGeom prst="rect">
-            <a:avLst/>
-          </a:prstGeom>
-          <a:noFill/>
-        </p:spPr>
-        <p:txBody>
-          <a:bodyPr wrap="none" rtlCol="0">
-            <a:spAutoFit/>
-          </a:bodyPr>
-          <a:lstStyle/>
-          <a:p>
-            <a:r>
-              <a:rPr lang="en-US" sz="1200" dirty="0"/>
-              <a:t>A</a:t>
-            </a:r>
-            <a:r>
-              <a:rPr lang="en-CN" sz="1200" dirty="0"/>
-              <a:t>ttribute 2</a:t>
-            </a:r>
-          </a:p>
-        </p:txBody>
-      </p:sp>
-      <p:sp>
-        <p:nvSpPr>
-          <p:cNvPr id="67" name="TextBox 66">
-            <a:extLst>
-              <a:ext uri="{FF2B5EF4-FFF2-40B4-BE49-F238E27FC236}">
-                <a16:creationId xmlns:a16="http://schemas.microsoft.com/office/drawing/2014/main" id="{46F806F4-8173-9A4B-9E99-B3CE2873D226}"/>
-              </a:ext>
-            </a:extLst>
-          </p:cNvPr>
-          <p:cNvSpPr txBox="1"/>
-          <p:nvPr/>
-        </p:nvSpPr>
-        <p:spPr>
-          <a:xfrm>
-            <a:off x="-3871572" y="4968819"/>
-            <a:ext cx="816506" cy="276999"/>
-          </a:xfrm>
-          <a:prstGeom prst="rect">
-            <a:avLst/>
-          </a:prstGeom>
-          <a:noFill/>
-        </p:spPr>
-        <p:txBody>
-          <a:bodyPr wrap="none" rtlCol="0">
-            <a:spAutoFit/>
-          </a:bodyPr>
-          <a:lstStyle/>
-          <a:p>
-            <a:r>
-              <a:rPr lang="en-US" sz="1200" dirty="0"/>
-              <a:t>A</a:t>
-            </a:r>
-            <a:r>
-              <a:rPr lang="en-CN" sz="1200" dirty="0"/>
-              <a:t>ttribute i</a:t>
-            </a:r>
-          </a:p>
-        </p:txBody>
-      </p:sp>
-      <p:sp>
-        <p:nvSpPr>
-          <p:cNvPr id="68" name="TextBox 67">
-            <a:extLst>
-              <a:ext uri="{FF2B5EF4-FFF2-40B4-BE49-F238E27FC236}">
-                <a16:creationId xmlns:a16="http://schemas.microsoft.com/office/drawing/2014/main" id="{44D568A6-1540-E14E-A433-81CA96137301}"/>
-              </a:ext>
-            </a:extLst>
-          </p:cNvPr>
-          <p:cNvSpPr txBox="1"/>
-          <p:nvPr/>
-        </p:nvSpPr>
-        <p:spPr>
-          <a:xfrm>
-            <a:off x="-2774192" y="4968818"/>
-            <a:ext cx="300082" cy="276999"/>
-          </a:xfrm>
-          <a:prstGeom prst="rect">
-            <a:avLst/>
-          </a:prstGeom>
-          <a:noFill/>
-        </p:spPr>
-        <p:txBody>
-          <a:bodyPr wrap="square" rtlCol="0">
-            <a:spAutoFit/>
-          </a:bodyPr>
-          <a:lstStyle/>
-          <a:p>
-            <a:r>
-              <a:rPr lang="en-US" sz="1200" dirty="0"/>
-              <a:t>…</a:t>
-            </a:r>
-            <a:endParaRPr lang="en-CN" sz="1200" dirty="0"/>
-          </a:p>
-        </p:txBody>
-      </p:sp>
-      <p:sp>
-        <p:nvSpPr>
-          <p:cNvPr id="69" name="Rectangle 68">
-            <a:extLst>
-              <a:ext uri="{FF2B5EF4-FFF2-40B4-BE49-F238E27FC236}">
-                <a16:creationId xmlns:a16="http://schemas.microsoft.com/office/drawing/2014/main" id="{A75F106B-D2B8-4D43-8555-C10C7AB15A1C}"/>
-              </a:ext>
-            </a:extLst>
-          </p:cNvPr>
-          <p:cNvSpPr/>
-          <p:nvPr/>
-        </p:nvSpPr>
-        <p:spPr>
-          <a:xfrm>
-            <a:off x="1442301" y="1702915"/>
-            <a:ext cx="1348034" cy="546754"/>
-          </a:xfrm>
-          <a:prstGeom prst="rect">
-            <a:avLst/>
-          </a:prstGeom>
-          <a:solidFill>
-            <a:schemeClr val="bg1"/>
-          </a:solidFill>
-          <a:ln>
-            <a:solidFill>
-              <a:schemeClr val="tx1"/>
-            </a:solidFill>
-          </a:ln>
-        </p:spPr>
-        <p:style>
-          <a:lnRef idx="2">
-            <a:schemeClr val="accent1">
-              <a:shade val="50000"/>
-            </a:schemeClr>
-          </a:lnRef>
-          <a:fillRef idx="1">
-            <a:schemeClr val="accent1"/>
-          </a:fillRef>
-          <a:effectRef idx="0">
-            <a:schemeClr val="accent1"/>
-          </a:effectRef>
-          <a:fontRef idx="minor">
-            <a:schemeClr val="lt1"/>
-          </a:fontRef>
-        </p:style>
-        <p:txBody>
-          <a:bodyPr rtlCol="0" anchor="ctr"/>
-          <a:lstStyle/>
-          <a:p>
-            <a:pPr algn="ctr"/>
-            <a:r>
-              <a:rPr lang="en-CN" sz="1600" dirty="0">
-                <a:solidFill>
-                  <a:schemeClr val="tx1"/>
-                </a:solidFill>
-              </a:rPr>
-              <a:t>Attribute1 DataHeader</a:t>
-            </a:r>
-          </a:p>
-        </p:txBody>
-      </p:sp>
-      <p:cxnSp>
-        <p:nvCxnSpPr>
-          <p:cNvPr id="70" name="Straight Connector 69">
-            <a:extLst>
-              <a:ext uri="{FF2B5EF4-FFF2-40B4-BE49-F238E27FC236}">
-                <a16:creationId xmlns:a16="http://schemas.microsoft.com/office/drawing/2014/main" id="{77CE93F8-D064-114B-98EA-3700BB0DFAF6}"/>
-              </a:ext>
-            </a:extLst>
-          </p:cNvPr>
-          <p:cNvCxnSpPr>
-            <a:cxnSpLocks/>
-          </p:cNvCxnSpPr>
-          <p:nvPr/>
-        </p:nvCxnSpPr>
-        <p:spPr>
-          <a:xfrm flipH="1">
-            <a:off x="94267" y="1131216"/>
-            <a:ext cx="3761296" cy="571699"/>
-          </a:xfrm>
-          <a:prstGeom prst="line">
-            <a:avLst/>
-          </a:prstGeom>
-          <a:ln>
-            <a:solidFill>
-              <a:schemeClr val="tx1"/>
-            </a:solidFill>
-          </a:ln>
-        </p:spPr>
-        <p:style>
-          <a:lnRef idx="1">
-            <a:schemeClr val="accent1"/>
-          </a:lnRef>
-          <a:fillRef idx="0">
-            <a:schemeClr val="accent1"/>
-          </a:fillRef>
-          <a:effectRef idx="0">
-            <a:schemeClr val="accent1"/>
-          </a:effectRef>
-          <a:fontRef idx="minor">
-            <a:schemeClr val="tx1"/>
-          </a:fontRef>
-        </p:style>
-      </p:cxnSp>
-      <p:cxnSp>
-        <p:nvCxnSpPr>
-          <p:cNvPr id="71" name="Straight Connector 70">
-            <a:extLst>
-              <a:ext uri="{FF2B5EF4-FFF2-40B4-BE49-F238E27FC236}">
-                <a16:creationId xmlns:a16="http://schemas.microsoft.com/office/drawing/2014/main" id="{48D2E9BA-A92C-C148-9A19-CB01F32D8F8D}"/>
-              </a:ext>
-            </a:extLst>
-          </p:cNvPr>
-          <p:cNvCxnSpPr>
-            <a:cxnSpLocks/>
-          </p:cNvCxnSpPr>
-          <p:nvPr/>
-        </p:nvCxnSpPr>
-        <p:spPr>
-          <a:xfrm>
-            <a:off x="5202743" y="1131216"/>
-            <a:ext cx="575757" cy="571699"/>
-          </a:xfrm>
-          <a:prstGeom prst="line">
-            <a:avLst/>
-          </a:prstGeom>
-          <a:ln>
-            <a:solidFill>
-              <a:schemeClr val="tx1"/>
-            </a:solidFill>
-          </a:ln>
-        </p:spPr>
-        <p:style>
-          <a:lnRef idx="1">
-            <a:schemeClr val="accent1"/>
-          </a:lnRef>
-          <a:fillRef idx="0">
-            <a:schemeClr val="accent1"/>
-          </a:fillRef>
-          <a:effectRef idx="0">
-            <a:schemeClr val="accent1"/>
-          </a:effectRef>
-          <a:fontRef idx="minor">
-            <a:schemeClr val="tx1"/>
-          </a:fontRef>
-        </p:style>
-      </p:cxnSp>
-      <p:sp>
-        <p:nvSpPr>
-          <p:cNvPr id="8" name="TextBox 7">
-            <a:extLst>
-              <a:ext uri="{FF2B5EF4-FFF2-40B4-BE49-F238E27FC236}">
-                <a16:creationId xmlns:a16="http://schemas.microsoft.com/office/drawing/2014/main" id="{727A3789-1599-4D46-A4D3-70AB9E5EB101}"/>
-              </a:ext>
-            </a:extLst>
-          </p:cNvPr>
-          <p:cNvSpPr txBox="1"/>
-          <p:nvPr/>
-        </p:nvSpPr>
-        <p:spPr>
-          <a:xfrm>
-            <a:off x="-3011785" y="2696549"/>
-            <a:ext cx="1769652" cy="369332"/>
-          </a:xfrm>
-          <a:prstGeom prst="rect">
-            <a:avLst/>
-          </a:prstGeom>
-          <a:noFill/>
-        </p:spPr>
-        <p:txBody>
-          <a:bodyPr wrap="none" rtlCol="0">
-            <a:spAutoFit/>
-          </a:bodyPr>
-          <a:lstStyle/>
-          <a:p>
-            <a:r>
-              <a:rPr lang="en-CN" sz="1800" dirty="0">
-                <a:solidFill>
-                  <a:schemeClr val="tx1"/>
-                </a:solidFill>
-              </a:rPr>
-              <a:t>Attribute Header</a:t>
-            </a:r>
-          </a:p>
-        </p:txBody>
-      </p:sp>
-      <p:sp>
-        <p:nvSpPr>
-          <p:cNvPr id="72" name="Rectangle 71">
-            <a:extLst>
-              <a:ext uri="{FF2B5EF4-FFF2-40B4-BE49-F238E27FC236}">
-                <a16:creationId xmlns:a16="http://schemas.microsoft.com/office/drawing/2014/main" id="{5484916B-31CB-7A45-B088-45A8C2D67568}"/>
-              </a:ext>
-            </a:extLst>
-          </p:cNvPr>
-          <p:cNvSpPr/>
-          <p:nvPr/>
-        </p:nvSpPr>
-        <p:spPr>
-          <a:xfrm>
-            <a:off x="2790335" y="1702915"/>
-            <a:ext cx="1348034" cy="546754"/>
-          </a:xfrm>
-          <a:prstGeom prst="rect">
-            <a:avLst/>
-          </a:prstGeom>
-          <a:solidFill>
-            <a:schemeClr val="bg1"/>
-          </a:solidFill>
-          <a:ln>
-            <a:solidFill>
-              <a:schemeClr val="tx1"/>
-            </a:solidFill>
-          </a:ln>
-        </p:spPr>
-        <p:style>
-          <a:lnRef idx="2">
-            <a:schemeClr val="accent1">
-              <a:shade val="50000"/>
-            </a:schemeClr>
-          </a:lnRef>
-          <a:fillRef idx="1">
-            <a:schemeClr val="accent1"/>
-          </a:fillRef>
-          <a:effectRef idx="0">
-            <a:schemeClr val="accent1"/>
-          </a:effectRef>
-          <a:fontRef idx="minor">
-            <a:schemeClr val="lt1"/>
-          </a:fontRef>
-        </p:style>
-        <p:txBody>
-          <a:bodyPr rtlCol="0" anchor="ctr"/>
-          <a:lstStyle/>
-          <a:p>
-            <a:pPr algn="ctr"/>
-            <a:r>
-              <a:rPr lang="en-CN" sz="1600" dirty="0">
-                <a:solidFill>
-                  <a:schemeClr val="tx1"/>
-                </a:solidFill>
-              </a:rPr>
-              <a:t>Attribute2 DataHeader</a:t>
-            </a:r>
-          </a:p>
-        </p:txBody>
-      </p:sp>
-      <p:sp>
-        <p:nvSpPr>
-          <p:cNvPr id="73" name="Rectangle 72">
-            <a:extLst>
-              <a:ext uri="{FF2B5EF4-FFF2-40B4-BE49-F238E27FC236}">
-                <a16:creationId xmlns:a16="http://schemas.microsoft.com/office/drawing/2014/main" id="{969DD413-4F4C-CE4D-9A54-340CBFE351C7}"/>
-              </a:ext>
-            </a:extLst>
-          </p:cNvPr>
-          <p:cNvSpPr/>
-          <p:nvPr/>
-        </p:nvSpPr>
-        <p:spPr>
-          <a:xfrm>
-            <a:off x="4430466" y="1702915"/>
-            <a:ext cx="1348034" cy="546754"/>
-          </a:xfrm>
-          <a:prstGeom prst="rect">
-            <a:avLst/>
-          </a:prstGeom>
-          <a:solidFill>
-            <a:schemeClr val="bg1"/>
-          </a:solidFill>
-          <a:ln>
-            <a:solidFill>
-              <a:schemeClr val="tx1"/>
-            </a:solidFill>
-          </a:ln>
-        </p:spPr>
-        <p:style>
-          <a:lnRef idx="2">
-            <a:schemeClr val="accent1">
-              <a:shade val="50000"/>
-            </a:schemeClr>
-          </a:lnRef>
-          <a:fillRef idx="1">
-            <a:schemeClr val="accent1"/>
-          </a:fillRef>
-          <a:effectRef idx="0">
-            <a:schemeClr val="accent1"/>
-          </a:effectRef>
-          <a:fontRef idx="minor">
-            <a:schemeClr val="lt1"/>
-          </a:fontRef>
-        </p:style>
-        <p:txBody>
-          <a:bodyPr rtlCol="0" anchor="ctr"/>
-          <a:lstStyle/>
-          <a:p>
-            <a:pPr algn="ctr"/>
-            <a:r>
-              <a:rPr lang="en-CN" sz="1600" dirty="0">
-                <a:solidFill>
-                  <a:schemeClr val="tx1"/>
-                </a:solidFill>
-              </a:rPr>
-              <a:t>?</a:t>
-            </a:r>
-          </a:p>
-        </p:txBody>
-      </p:sp>
-      <p:sp>
-        <p:nvSpPr>
-          <p:cNvPr id="10" name="TextBox 9">
-            <a:extLst>
-              <a:ext uri="{FF2B5EF4-FFF2-40B4-BE49-F238E27FC236}">
-                <a16:creationId xmlns:a16="http://schemas.microsoft.com/office/drawing/2014/main" id="{48FD6DD1-C67B-D541-9B93-48A6775384C9}"/>
-              </a:ext>
-            </a:extLst>
-          </p:cNvPr>
-          <p:cNvSpPr txBox="1"/>
-          <p:nvPr/>
-        </p:nvSpPr>
-        <p:spPr>
-          <a:xfrm>
-            <a:off x="4117517" y="1878773"/>
-            <a:ext cx="343364" cy="369332"/>
-          </a:xfrm>
-          <a:prstGeom prst="rect">
-            <a:avLst/>
-          </a:prstGeom>
-          <a:noFill/>
-        </p:spPr>
-        <p:txBody>
-          <a:bodyPr wrap="none" rtlCol="0">
-            <a:spAutoFit/>
-          </a:bodyPr>
-          <a:lstStyle/>
-          <a:p>
-            <a:r>
-              <a:rPr lang="en-CN" dirty="0"/>
-              <a:t>…</a:t>
-            </a:r>
-          </a:p>
-        </p:txBody>
-      </p:sp>
-    </p:spTree>
-    <p:extLst>
-      <p:ext uri="{BB962C8B-B14F-4D97-AF65-F5344CB8AC3E}">
-        <p14:creationId xmlns:p14="http://schemas.microsoft.com/office/powerpoint/2010/main" val="1639672288"/>
-      </p:ext>
-    </p:extLst>
-  </p:cSld>
-  <p:clrMapOvr>
-    <a:masterClrMapping/>
-  </p:clrMapOvr>
-</p:sld>
-</file>
-
-<file path=ppt/slides/slide18.xml><?xml version="1.0" encoding="utf-8"?>
 <p:sld xmlns:a="http://schemas.openxmlformats.org/drawingml/2006/main" xmlns:r="http://schemas.openxmlformats.org/officeDocument/2006/relationships" xmlns:p="http://schemas.openxmlformats.org/presentationml/2006/main">
   <p:cSld>
     <p:spTree>
